--- a/LA6mA/Presentation/LA6mA.pptx
+++ b/LA6mA/Presentation/LA6mA.pptx
@@ -18,6 +18,11 @@
     <p:sldId id="266" r:id="rId12"/>
     <p:sldId id="267" r:id="rId13"/>
     <p:sldId id="268" r:id="rId14"/>
+    <p:sldId id="269" r:id="rId15"/>
+    <p:sldId id="270" r:id="rId16"/>
+    <p:sldId id="272" r:id="rId17"/>
+    <p:sldId id="271" r:id="rId18"/>
+    <p:sldId id="273" r:id="rId19"/>
   </p:sldIdLst>
   <p:sldSz cx="12192000" cy="6858000"/>
   <p:notesSz cx="6858000" cy="9144000"/>
@@ -116,6 +121,11 @@
       </a:defRPr>
     </a:lvl9pPr>
   </p:defaultTextStyle>
+  <p:extLst>
+    <p:ext uri="{EFAFB233-063F-42B5-8137-9DF3F51BA10A}">
+      <p15:sldGuideLst xmlns:p15="http://schemas.microsoft.com/office/powerpoint/2012/main"/>
+    </p:ext>
+  </p:extLst>
 </p:presentation>
 </file>
 
@@ -3772,15 +3782,88 @@
                 </a14:m>
                 <a:r>
                   <a:rPr lang="en-US" altLang="zh-TW" sz="2000" dirty="0"/>
-                  <a:t> is extracted from each input sequence being fed into AL6mA or LA6mA. Then the rows of the attention matrix are averaged and the matrix is transformed into an attention vector with the same length as the input sequence. These vectors can be used to identify the key positions relevant for making the prediction by the model. Specifically, for an input DNA sequence articulated as S = S1, S2, ... , Si, ... , SL, where L was the length of the sequence, it was converted into an attention vector V = [v1, v2, ... , vi, ... , </a:t>
+                  <a:t> is extracted from each input sequence being fed into AL6mA or LA6mA. Then the rows of the attention matrix are averaged and the matrix is transformed into an attention vector with the same length as the input sequence. These vectors can be used to identify the key positions relevant for making the prediction by the model. Specifically, for an input DNA sequence articulated as S = S1, S2, ... , Si, ... , SL, where L was the length of the sequence, it was converted into an attention vector V = </a:t>
                 </a:r>
-                <a:r>
-                  <a:rPr lang="en-US" altLang="zh-TW" sz="2000" dirty="0" err="1"/>
-                  <a:t>vL</a:t>
-                </a:r>
+                <a14:m>
+                  <m:oMath xmlns:m="http://schemas.openxmlformats.org/officeDocument/2006/math">
+                    <m:sSup>
+                      <m:sSupPr>
+                        <m:ctrlPr>
+                          <a:rPr lang="en-US" altLang="zh-TW" sz="2000" i="1" dirty="0" smtClean="0">
+                            <a:latin typeface="Cambria Math" panose="02040503050406030204" pitchFamily="18" charset="0"/>
+                          </a:rPr>
+                        </m:ctrlPr>
+                      </m:sSupPr>
+                      <m:e>
+                        <m:r>
+                          <a:rPr lang="en-US" altLang="zh-TW" sz="2000" i="1" dirty="0">
+                            <a:latin typeface="Cambria Math" panose="02040503050406030204" pitchFamily="18" charset="0"/>
+                          </a:rPr>
+                          <m:t>[</m:t>
+                        </m:r>
+                        <m:r>
+                          <a:rPr lang="en-US" altLang="zh-TW" sz="2000" i="1" dirty="0">
+                            <a:latin typeface="Cambria Math" panose="02040503050406030204" pitchFamily="18" charset="0"/>
+                          </a:rPr>
+                          <m:t>𝑣</m:t>
+                        </m:r>
+                        <m:r>
+                          <a:rPr lang="en-US" altLang="zh-TW" sz="2000" i="1" dirty="0">
+                            <a:latin typeface="Cambria Math" panose="02040503050406030204" pitchFamily="18" charset="0"/>
+                          </a:rPr>
+                          <m:t>1, </m:t>
+                        </m:r>
+                        <m:r>
+                          <a:rPr lang="en-US" altLang="zh-TW" sz="2000" i="1" dirty="0">
+                            <a:latin typeface="Cambria Math" panose="02040503050406030204" pitchFamily="18" charset="0"/>
+                          </a:rPr>
+                          <m:t>𝑣</m:t>
+                        </m:r>
+                        <m:r>
+                          <a:rPr lang="en-US" altLang="zh-TW" sz="2000" i="1" dirty="0">
+                            <a:latin typeface="Cambria Math" panose="02040503050406030204" pitchFamily="18" charset="0"/>
+                          </a:rPr>
+                          <m:t>2, … , </m:t>
+                        </m:r>
+                        <m:r>
+                          <a:rPr lang="en-US" altLang="zh-TW" sz="2000" i="1" dirty="0">
+                            <a:latin typeface="Cambria Math" panose="02040503050406030204" pitchFamily="18" charset="0"/>
+                          </a:rPr>
+                          <m:t>𝑣𝑖</m:t>
+                        </m:r>
+                        <m:r>
+                          <a:rPr lang="en-US" altLang="zh-TW" sz="2000" i="1" dirty="0">
+                            <a:latin typeface="Cambria Math" panose="02040503050406030204" pitchFamily="18" charset="0"/>
+                          </a:rPr>
+                          <m:t>, … , </m:t>
+                        </m:r>
+                        <m:r>
+                          <a:rPr lang="en-US" altLang="zh-TW" sz="2000" i="1" dirty="0" err="1">
+                            <a:latin typeface="Cambria Math" panose="02040503050406030204" pitchFamily="18" charset="0"/>
+                          </a:rPr>
+                          <m:t>𝑣𝐿</m:t>
+                        </m:r>
+                        <m:r>
+                          <a:rPr lang="en-US" altLang="zh-TW" sz="2000" i="1" dirty="0">
+                            <a:latin typeface="Cambria Math" panose="02040503050406030204" pitchFamily="18" charset="0"/>
+                          </a:rPr>
+                          <m:t>]</m:t>
+                        </m:r>
+                      </m:e>
+                      <m:sup>
+                        <m:r>
+                          <a:rPr lang="en-US" altLang="zh-TW" sz="2000" b="0" i="1" dirty="0" smtClean="0">
+                            <a:latin typeface="Cambria Math" panose="02040503050406030204" pitchFamily="18" charset="0"/>
+                          </a:rPr>
+                          <m:t>𝑇</m:t>
+                        </m:r>
+                      </m:sup>
+                    </m:sSup>
+                  </m:oMath>
+                </a14:m>
                 <a:r>
                   <a:rPr lang="en-US" altLang="zh-TW" sz="2000" dirty="0"/>
-                  <a:t>] T ∈ </a:t>
+                  <a:t>∈ </a:t>
                 </a:r>
                 <a14:m>
                   <m:oMath xmlns:m="http://schemas.openxmlformats.org/officeDocument/2006/math">
@@ -3824,6 +3907,27 @@
                   <a:t> Si made a more important contribution to the prediction result.</a:t>
                 </a:r>
               </a:p>
+              <a:p>
+                <a:pPr marL="0" indent="0">
+                  <a:buNone/>
+                </a:pPr>
+                <a:r>
+                  <a:rPr lang="zh-TW" altLang="en-US" sz="2000" dirty="0"/>
+                  <a:t>    </a:t>
+                </a:r>
+                <a:r>
+                  <a:rPr lang="en-US" altLang="zh-TW" sz="2000" dirty="0">
+                    <a:solidFill>
+                      <a:srgbClr val="FF0000"/>
+                    </a:solidFill>
+                  </a:rPr>
+                  <a:t>We selected all the TP samples (i.e. correctly predicted 6mA sites) in the test dataset to generate the final attention vectors </a:t>
+                </a:r>
+                <a:r>
+                  <a:rPr lang="en-US" altLang="zh-TW" sz="2000" dirty="0"/>
+                  <a:t>and displayed them in an intuitive way. Figure 2 illustrates the experimental results on A. thaliana by AL6mA and LA6mA, including randomly initialized attention vectors, attention vectors of the final model and changes in the attention vectors.</a:t>
+                </a:r>
+              </a:p>
             </p:txBody>
           </p:sp>
         </mc:Choice>
@@ -3852,7 +3956,7 @@
               <a:blipFill>
                 <a:blip r:embed="rId2"/>
                 <a:stretch>
-                  <a:fillRect l="-1043" t="-1737" r="-928"/>
+                  <a:fillRect l="-1043" t="-1737" r="-986"/>
                 </a:stretch>
               </a:blipFill>
             </p:spPr>
@@ -3875,6 +3979,530 @@
     <p:extLst>
       <p:ext uri="{BB962C8B-B14F-4D97-AF65-F5344CB8AC3E}">
         <p14:creationId xmlns:p14="http://schemas.microsoft.com/office/powerpoint/2010/main" val="2566191312"/>
+      </p:ext>
+    </p:extLst>
+  </p:cSld>
+  <p:clrMapOvr>
+    <a:masterClrMapping/>
+  </p:clrMapOvr>
+</p:sld>
+</file>
+
+<file path=ppt/slides/slide14.xml><?xml version="1.0" encoding="utf-8"?>
+<p:sld xmlns:a="http://schemas.openxmlformats.org/drawingml/2006/main" xmlns:r="http://schemas.openxmlformats.org/officeDocument/2006/relationships" xmlns:p="http://schemas.openxmlformats.org/presentationml/2006/main">
+  <p:cSld>
+    <p:spTree>
+      <p:nvGrpSpPr>
+        <p:cNvPr id="1" name=""/>
+        <p:cNvGrpSpPr/>
+        <p:nvPr/>
+      </p:nvGrpSpPr>
+      <p:grpSpPr>
+        <a:xfrm>
+          <a:off x="0" y="0"/>
+          <a:ext cx="0" cy="0"/>
+          <a:chOff x="0" y="0"/>
+          <a:chExt cx="0" cy="0"/>
+        </a:xfrm>
+      </p:grpSpPr>
+      <p:sp>
+        <p:nvSpPr>
+          <p:cNvPr id="5" name="內容版面配置區 4">
+            <a:extLst>
+              <a:ext uri="{FF2B5EF4-FFF2-40B4-BE49-F238E27FC236}">
+                <a16:creationId xmlns:a16="http://schemas.microsoft.com/office/drawing/2014/main" id="{BB2DC006-D6C4-415B-6480-10DBC0C4791F}"/>
+              </a:ext>
+            </a:extLst>
+          </p:cNvPr>
+          <p:cNvSpPr>
+            <a:spLocks noGrp="1"/>
+          </p:cNvSpPr>
+          <p:nvPr>
+            <p:ph idx="1"/>
+          </p:nvPr>
+        </p:nvSpPr>
+        <p:spPr>
+          <a:xfrm>
+            <a:off x="838200" y="624604"/>
+            <a:ext cx="10515600" cy="5608792"/>
+          </a:xfrm>
+        </p:spPr>
+        <p:txBody>
+          <a:bodyPr>
+            <a:normAutofit/>
+          </a:bodyPr>
+          <a:lstStyle/>
+          <a:p>
+            <a:r>
+              <a:rPr lang="en-US" altLang="zh-TW" dirty="0"/>
+              <a:t>Results and discussion</a:t>
+            </a:r>
+            <a:r>
+              <a:rPr lang="zh-TW" altLang="en-US" dirty="0"/>
+              <a:t> </a:t>
+            </a:r>
+            <a:r>
+              <a:rPr lang="en-US" altLang="zh-TW" dirty="0"/>
+              <a:t>- Rapid identification of key positions</a:t>
+            </a:r>
+            <a:r>
+              <a:rPr lang="zh-TW" altLang="en-US" dirty="0"/>
+              <a:t>    </a:t>
+            </a:r>
+            <a:endParaRPr lang="en-US" altLang="zh-TW" dirty="0"/>
+          </a:p>
+          <a:p>
+            <a:pPr marL="0" indent="0">
+              <a:buNone/>
+            </a:pPr>
+            <a:r>
+              <a:rPr lang="en-US" altLang="zh-TW" sz="2000" dirty="0"/>
+              <a:t>    Figure 2C and F display the randomly initialized attention vectors of the AL6mA and LA6mA methods, respectively. As can be seen, the initial attention weights of AL6mA appeared to be distributed randomly throughout the sequence (Figure 2C), which obviously differed from each other. In the case of LA6mA, its initialized attention weights were almost evenly distributed (Figure 2F). When an input sequence was fed into an initialized LA6mA model, the LSTM layer extracted the features of the sequence, which were then passed into the attention layer. That is the main reason why the values in the extracted initial attention vector of LA6mA were distributed evenly.</a:t>
+            </a:r>
+          </a:p>
+        </p:txBody>
+      </p:sp>
+      <p:pic>
+        <p:nvPicPr>
+          <p:cNvPr id="6" name="圖片 5">
+            <a:extLst>
+              <a:ext uri="{FF2B5EF4-FFF2-40B4-BE49-F238E27FC236}">
+                <a16:creationId xmlns:a16="http://schemas.microsoft.com/office/drawing/2014/main" id="{1436A0E1-41C0-E5CE-7ED7-3E77C1FF6D4E}"/>
+              </a:ext>
+            </a:extLst>
+          </p:cNvPr>
+          <p:cNvPicPr>
+            <a:picLocks noChangeAspect="1"/>
+          </p:cNvPicPr>
+          <p:nvPr/>
+        </p:nvPicPr>
+        <p:blipFill>
+          <a:blip r:embed="rId2"/>
+          <a:stretch>
+            <a:fillRect/>
+          </a:stretch>
+        </p:blipFill>
+        <p:spPr>
+          <a:xfrm>
+            <a:off x="0" y="3504326"/>
+            <a:ext cx="12192000" cy="2729070"/>
+          </a:xfrm>
+          <a:prstGeom prst="rect">
+            <a:avLst/>
+          </a:prstGeom>
+        </p:spPr>
+      </p:pic>
+    </p:spTree>
+    <p:extLst>
+      <p:ext uri="{BB962C8B-B14F-4D97-AF65-F5344CB8AC3E}">
+        <p14:creationId xmlns:p14="http://schemas.microsoft.com/office/powerpoint/2010/main" val="459952655"/>
+      </p:ext>
+    </p:extLst>
+  </p:cSld>
+  <p:clrMapOvr>
+    <a:masterClrMapping/>
+  </p:clrMapOvr>
+</p:sld>
+</file>
+
+<file path=ppt/slides/slide15.xml><?xml version="1.0" encoding="utf-8"?>
+<p:sld xmlns:a="http://schemas.openxmlformats.org/drawingml/2006/main" xmlns:r="http://schemas.openxmlformats.org/officeDocument/2006/relationships" xmlns:p="http://schemas.openxmlformats.org/presentationml/2006/main">
+  <p:cSld>
+    <p:spTree>
+      <p:nvGrpSpPr>
+        <p:cNvPr id="1" name=""/>
+        <p:cNvGrpSpPr/>
+        <p:nvPr/>
+      </p:nvGrpSpPr>
+      <p:grpSpPr>
+        <a:xfrm>
+          <a:off x="0" y="0"/>
+          <a:ext cx="0" cy="0"/>
+          <a:chOff x="0" y="0"/>
+          <a:chExt cx="0" cy="0"/>
+        </a:xfrm>
+      </p:grpSpPr>
+      <p:sp>
+        <p:nvSpPr>
+          <p:cNvPr id="5" name="內容版面配置區 4">
+            <a:extLst>
+              <a:ext uri="{FF2B5EF4-FFF2-40B4-BE49-F238E27FC236}">
+                <a16:creationId xmlns:a16="http://schemas.microsoft.com/office/drawing/2014/main" id="{BB2DC006-D6C4-415B-6480-10DBC0C4791F}"/>
+              </a:ext>
+            </a:extLst>
+          </p:cNvPr>
+          <p:cNvSpPr>
+            <a:spLocks noGrp="1"/>
+          </p:cNvSpPr>
+          <p:nvPr>
+            <p:ph idx="1"/>
+          </p:nvPr>
+        </p:nvSpPr>
+        <p:spPr>
+          <a:xfrm>
+            <a:off x="838200" y="624604"/>
+            <a:ext cx="10515600" cy="5608792"/>
+          </a:xfrm>
+        </p:spPr>
+        <p:txBody>
+          <a:bodyPr>
+            <a:normAutofit/>
+          </a:bodyPr>
+          <a:lstStyle/>
+          <a:p>
+            <a:r>
+              <a:rPr lang="en-US" altLang="zh-TW" dirty="0"/>
+              <a:t>Results and discussion</a:t>
+            </a:r>
+            <a:r>
+              <a:rPr lang="zh-TW" altLang="en-US" dirty="0"/>
+              <a:t> </a:t>
+            </a:r>
+            <a:r>
+              <a:rPr lang="en-US" altLang="zh-TW" dirty="0"/>
+              <a:t>- Rapid identification of key positions</a:t>
+            </a:r>
+            <a:r>
+              <a:rPr lang="zh-TW" altLang="en-US" dirty="0"/>
+              <a:t>    </a:t>
+            </a:r>
+            <a:endParaRPr lang="en-US" altLang="zh-TW" dirty="0"/>
+          </a:p>
+          <a:p>
+            <a:pPr marL="0" indent="0">
+              <a:buNone/>
+            </a:pPr>
+            <a:r>
+              <a:rPr lang="en-US" altLang="zh-TW" sz="2000" dirty="0"/>
+              <a:t>    Figure 2A and D show the final attention vectors of AL6mA and LA6mA, respectively. Regardless of the distribution of the initial attention, it is apparent that the weights of the central region in the attention of the final model are larger than those of the marginal region. This suggests that the central region made more contributions to the prediction of the final result. Furthermore, we conjecture that the right flanking region contributed more to the prediction than the left f </a:t>
+            </a:r>
+            <a:r>
+              <a:rPr lang="en-US" altLang="zh-TW" sz="2000" dirty="0" err="1"/>
+              <a:t>lanking</a:t>
+            </a:r>
+            <a:r>
+              <a:rPr lang="en-US" altLang="zh-TW" sz="2000" dirty="0"/>
+              <a:t> region. Specifically, the region of [−2, 9] made the most significant contributions to the prediction in terms of the values of the attention weights. From a biological perspective, mutations in this region might affect the methylation possibility of the centered adenine site, which has been confirmed in [48]. In addition, the changes in methylation caused by such mutation may lead to abnormal biological processes.</a:t>
+            </a:r>
+          </a:p>
+        </p:txBody>
+      </p:sp>
+    </p:spTree>
+    <p:extLst>
+      <p:ext uri="{BB962C8B-B14F-4D97-AF65-F5344CB8AC3E}">
+        <p14:creationId xmlns:p14="http://schemas.microsoft.com/office/powerpoint/2010/main" val="1756762037"/>
+      </p:ext>
+    </p:extLst>
+  </p:cSld>
+  <p:clrMapOvr>
+    <a:masterClrMapping/>
+  </p:clrMapOvr>
+</p:sld>
+</file>
+
+<file path=ppt/slides/slide16.xml><?xml version="1.0" encoding="utf-8"?>
+<p:sld xmlns:a="http://schemas.openxmlformats.org/drawingml/2006/main" xmlns:r="http://schemas.openxmlformats.org/officeDocument/2006/relationships" xmlns:p="http://schemas.openxmlformats.org/presentationml/2006/main">
+  <p:cSld>
+    <p:spTree>
+      <p:nvGrpSpPr>
+        <p:cNvPr id="1" name=""/>
+        <p:cNvGrpSpPr/>
+        <p:nvPr/>
+      </p:nvGrpSpPr>
+      <p:grpSpPr>
+        <a:xfrm>
+          <a:off x="0" y="0"/>
+          <a:ext cx="0" cy="0"/>
+          <a:chOff x="0" y="0"/>
+          <a:chExt cx="0" cy="0"/>
+        </a:xfrm>
+      </p:grpSpPr>
+      <p:sp>
+        <p:nvSpPr>
+          <p:cNvPr id="5" name="內容版面配置區 4">
+            <a:extLst>
+              <a:ext uri="{FF2B5EF4-FFF2-40B4-BE49-F238E27FC236}">
+                <a16:creationId xmlns:a16="http://schemas.microsoft.com/office/drawing/2014/main" id="{BB2DC006-D6C4-415B-6480-10DBC0C4791F}"/>
+              </a:ext>
+            </a:extLst>
+          </p:cNvPr>
+          <p:cNvSpPr>
+            <a:spLocks noGrp="1"/>
+          </p:cNvSpPr>
+          <p:nvPr>
+            <p:ph idx="1"/>
+          </p:nvPr>
+        </p:nvSpPr>
+        <p:spPr>
+          <a:xfrm>
+            <a:off x="838200" y="624604"/>
+            <a:ext cx="10515600" cy="5608792"/>
+          </a:xfrm>
+        </p:spPr>
+        <p:txBody>
+          <a:bodyPr>
+            <a:normAutofit/>
+          </a:bodyPr>
+          <a:lstStyle/>
+          <a:p>
+            <a:r>
+              <a:rPr lang="en-US" altLang="zh-TW" dirty="0"/>
+              <a:t>Results and discussion</a:t>
+            </a:r>
+            <a:r>
+              <a:rPr lang="zh-TW" altLang="en-US" dirty="0"/>
+              <a:t> </a:t>
+            </a:r>
+            <a:r>
+              <a:rPr lang="en-US" altLang="zh-TW" dirty="0"/>
+              <a:t>- Rapid identification of key positions</a:t>
+            </a:r>
+            <a:r>
+              <a:rPr lang="zh-TW" altLang="en-US" dirty="0"/>
+              <a:t>    </a:t>
+            </a:r>
+            <a:endParaRPr lang="en-US" altLang="zh-TW" dirty="0"/>
+          </a:p>
+          <a:p>
+            <a:pPr marL="0" indent="0">
+              <a:buNone/>
+            </a:pPr>
+            <a:r>
+              <a:rPr lang="en-US" altLang="zh-TW" sz="2000" dirty="0"/>
+              <a:t>    </a:t>
+            </a:r>
+          </a:p>
+        </p:txBody>
+      </p:sp>
+      <p:pic>
+        <p:nvPicPr>
+          <p:cNvPr id="3" name="圖片 2">
+            <a:extLst>
+              <a:ext uri="{FF2B5EF4-FFF2-40B4-BE49-F238E27FC236}">
+                <a16:creationId xmlns:a16="http://schemas.microsoft.com/office/drawing/2014/main" id="{8F974A52-2DB0-3746-DBF2-B8899E96A224}"/>
+              </a:ext>
+            </a:extLst>
+          </p:cNvPr>
+          <p:cNvPicPr>
+            <a:picLocks noChangeAspect="1"/>
+          </p:cNvPicPr>
+          <p:nvPr/>
+        </p:nvPicPr>
+        <p:blipFill>
+          <a:blip r:embed="rId2"/>
+          <a:stretch>
+            <a:fillRect/>
+          </a:stretch>
+        </p:blipFill>
+        <p:spPr>
+          <a:xfrm>
+            <a:off x="0" y="2295721"/>
+            <a:ext cx="12192000" cy="2639420"/>
+          </a:xfrm>
+          <a:prstGeom prst="rect">
+            <a:avLst/>
+          </a:prstGeom>
+        </p:spPr>
+      </p:pic>
+    </p:spTree>
+    <p:extLst>
+      <p:ext uri="{BB962C8B-B14F-4D97-AF65-F5344CB8AC3E}">
+        <p14:creationId xmlns:p14="http://schemas.microsoft.com/office/powerpoint/2010/main" val="2731199547"/>
+      </p:ext>
+    </p:extLst>
+  </p:cSld>
+  <p:clrMapOvr>
+    <a:masterClrMapping/>
+  </p:clrMapOvr>
+</p:sld>
+</file>
+
+<file path=ppt/slides/slide17.xml><?xml version="1.0" encoding="utf-8"?>
+<p:sld xmlns:a="http://schemas.openxmlformats.org/drawingml/2006/main" xmlns:r="http://schemas.openxmlformats.org/officeDocument/2006/relationships" xmlns:p="http://schemas.openxmlformats.org/presentationml/2006/main">
+  <p:cSld>
+    <p:spTree>
+      <p:nvGrpSpPr>
+        <p:cNvPr id="1" name=""/>
+        <p:cNvGrpSpPr/>
+        <p:nvPr/>
+      </p:nvGrpSpPr>
+      <p:grpSpPr>
+        <a:xfrm>
+          <a:off x="0" y="0"/>
+          <a:ext cx="0" cy="0"/>
+          <a:chOff x="0" y="0"/>
+          <a:chExt cx="0" cy="0"/>
+        </a:xfrm>
+      </p:grpSpPr>
+      <p:sp>
+        <p:nvSpPr>
+          <p:cNvPr id="5" name="內容版面配置區 4">
+            <a:extLst>
+              <a:ext uri="{FF2B5EF4-FFF2-40B4-BE49-F238E27FC236}">
+                <a16:creationId xmlns:a16="http://schemas.microsoft.com/office/drawing/2014/main" id="{BB2DC006-D6C4-415B-6480-10DBC0C4791F}"/>
+              </a:ext>
+            </a:extLst>
+          </p:cNvPr>
+          <p:cNvSpPr>
+            <a:spLocks noGrp="1"/>
+          </p:cNvSpPr>
+          <p:nvPr>
+            <p:ph idx="1"/>
+          </p:nvPr>
+        </p:nvSpPr>
+        <p:spPr>
+          <a:xfrm>
+            <a:off x="838200" y="624604"/>
+            <a:ext cx="10515600" cy="5608792"/>
+          </a:xfrm>
+        </p:spPr>
+        <p:txBody>
+          <a:bodyPr>
+            <a:normAutofit/>
+          </a:bodyPr>
+          <a:lstStyle/>
+          <a:p>
+            <a:r>
+              <a:rPr lang="en-US" altLang="zh-TW" dirty="0"/>
+              <a:t>Results and discussion</a:t>
+            </a:r>
+            <a:r>
+              <a:rPr lang="zh-TW" altLang="en-US" dirty="0"/>
+              <a:t> </a:t>
+            </a:r>
+            <a:r>
+              <a:rPr lang="en-US" altLang="zh-TW" dirty="0"/>
+              <a:t>- Rapid identification of key positions</a:t>
+            </a:r>
+            <a:r>
+              <a:rPr lang="zh-TW" altLang="en-US" dirty="0"/>
+              <a:t>    </a:t>
+            </a:r>
+            <a:endParaRPr lang="en-US" altLang="zh-TW" dirty="0"/>
+          </a:p>
+          <a:p>
+            <a:pPr marL="0" indent="0">
+              <a:buNone/>
+            </a:pPr>
+            <a:r>
+              <a:rPr lang="en-US" altLang="zh-TW" sz="2000" dirty="0"/>
+              <a:t> To observe the changes of the attention vectors, the attention weights were extracted during model optimization. The changes are then displayed as 3D graphics, shown in Figure 2B and E. It can be seen that, in accordance with the increase of the epochs, the values of the central regions increased, whereas the values of the marginal regions decreased, highlighting that the models could automatically focus on the key areas during the optimization. Surprisingly, the changes of the attention vectors that attended to the key positions appeared to occur after only a few epochs, and as the iteration progressed, the values of the attention vectors were being constantly fine-tuned and eventually reached the plateau. Figure 2B and E verified rapid identification of the key positions that are relevant for making the prediction by the model.</a:t>
+            </a:r>
+          </a:p>
+        </p:txBody>
+      </p:sp>
+    </p:spTree>
+    <p:extLst>
+      <p:ext uri="{BB962C8B-B14F-4D97-AF65-F5344CB8AC3E}">
+        <p14:creationId xmlns:p14="http://schemas.microsoft.com/office/powerpoint/2010/main" val="2314292834"/>
+      </p:ext>
+    </p:extLst>
+  </p:cSld>
+  <p:clrMapOvr>
+    <a:masterClrMapping/>
+  </p:clrMapOvr>
+</p:sld>
+</file>
+
+<file path=ppt/slides/slide18.xml><?xml version="1.0" encoding="utf-8"?>
+<p:sld xmlns:a="http://schemas.openxmlformats.org/drawingml/2006/main" xmlns:r="http://schemas.openxmlformats.org/officeDocument/2006/relationships" xmlns:p="http://schemas.openxmlformats.org/presentationml/2006/main">
+  <p:cSld>
+    <p:spTree>
+      <p:nvGrpSpPr>
+        <p:cNvPr id="1" name=""/>
+        <p:cNvGrpSpPr/>
+        <p:nvPr/>
+      </p:nvGrpSpPr>
+      <p:grpSpPr>
+        <a:xfrm>
+          <a:off x="0" y="0"/>
+          <a:ext cx="0" cy="0"/>
+          <a:chOff x="0" y="0"/>
+          <a:chExt cx="0" cy="0"/>
+        </a:xfrm>
+      </p:grpSpPr>
+      <p:sp>
+        <p:nvSpPr>
+          <p:cNvPr id="5" name="內容版面配置區 4">
+            <a:extLst>
+              <a:ext uri="{FF2B5EF4-FFF2-40B4-BE49-F238E27FC236}">
+                <a16:creationId xmlns:a16="http://schemas.microsoft.com/office/drawing/2014/main" id="{BB2DC006-D6C4-415B-6480-10DBC0C4791F}"/>
+              </a:ext>
+            </a:extLst>
+          </p:cNvPr>
+          <p:cNvSpPr>
+            <a:spLocks noGrp="1"/>
+          </p:cNvSpPr>
+          <p:nvPr>
+            <p:ph idx="1"/>
+          </p:nvPr>
+        </p:nvSpPr>
+        <p:spPr>
+          <a:xfrm>
+            <a:off x="838200" y="624604"/>
+            <a:ext cx="10515600" cy="5608792"/>
+          </a:xfrm>
+        </p:spPr>
+        <p:txBody>
+          <a:bodyPr>
+            <a:normAutofit/>
+          </a:bodyPr>
+          <a:lstStyle/>
+          <a:p>
+            <a:r>
+              <a:rPr lang="en-US" altLang="zh-TW" dirty="0"/>
+              <a:t>Results and discussion</a:t>
+            </a:r>
+            <a:r>
+              <a:rPr lang="zh-TW" altLang="en-US" dirty="0"/>
+              <a:t> </a:t>
+            </a:r>
+            <a:r>
+              <a:rPr lang="en-US" altLang="zh-TW" dirty="0"/>
+              <a:t>- Rapid identification of key positions</a:t>
+            </a:r>
+            <a:r>
+              <a:rPr lang="zh-TW" altLang="en-US" dirty="0"/>
+              <a:t>    </a:t>
+            </a:r>
+            <a:endParaRPr lang="en-US" altLang="zh-TW" dirty="0"/>
+          </a:p>
+        </p:txBody>
+      </p:sp>
+      <p:pic>
+        <p:nvPicPr>
+          <p:cNvPr id="3" name="圖片 2">
+            <a:extLst>
+              <a:ext uri="{FF2B5EF4-FFF2-40B4-BE49-F238E27FC236}">
+                <a16:creationId xmlns:a16="http://schemas.microsoft.com/office/drawing/2014/main" id="{F0175345-C9D6-2DD6-05FB-CF263CF33C71}"/>
+              </a:ext>
+            </a:extLst>
+          </p:cNvPr>
+          <p:cNvPicPr>
+            <a:picLocks noChangeAspect="1"/>
+          </p:cNvPicPr>
+          <p:nvPr/>
+        </p:nvPicPr>
+        <p:blipFill>
+          <a:blip r:embed="rId2"/>
+          <a:stretch>
+            <a:fillRect/>
+          </a:stretch>
+        </p:blipFill>
+        <p:spPr>
+          <a:xfrm>
+            <a:off x="102637" y="2105712"/>
+            <a:ext cx="12192000" cy="2646576"/>
+          </a:xfrm>
+          <a:prstGeom prst="rect">
+            <a:avLst/>
+          </a:prstGeom>
+        </p:spPr>
+      </p:pic>
+    </p:spTree>
+    <p:extLst>
+      <p:ext uri="{BB962C8B-B14F-4D97-AF65-F5344CB8AC3E}">
+        <p14:creationId xmlns:p14="http://schemas.microsoft.com/office/powerpoint/2010/main" val="277378420"/>
       </p:ext>
     </p:extLst>
   </p:cSld>
@@ -4303,8 +4931,8 @@
           <a:chExt cx="0" cy="0"/>
         </a:xfrm>
       </p:grpSpPr>
-      <mc:AlternateContent xmlns:mc="http://schemas.openxmlformats.org/markup-compatibility/2006">
-        <mc:Choice xmlns:a14="http://schemas.microsoft.com/office/drawing/2010/main" Requires="a14">
+      <mc:AlternateContent xmlns:mc="http://schemas.openxmlformats.org/markup-compatibility/2006" xmlns:a14="http://schemas.microsoft.com/office/drawing/2010/main">
+        <mc:Choice Requires="a14">
           <p:sp>
             <p:nvSpPr>
               <p:cNvPr id="5" name="內容版面配置區 4">
@@ -4528,7 +5156,7 @@
             </p:txBody>
           </p:sp>
         </mc:Choice>
-        <mc:Fallback>
+        <mc:Fallback xmlns="">
           <p:sp>
             <p:nvSpPr>
               <p:cNvPr id="5" name="內容版面配置區 4">
@@ -4602,8 +5230,8 @@
           <a:chExt cx="0" cy="0"/>
         </a:xfrm>
       </p:grpSpPr>
-      <mc:AlternateContent xmlns:mc="http://schemas.openxmlformats.org/markup-compatibility/2006">
-        <mc:Choice xmlns:a14="http://schemas.microsoft.com/office/drawing/2010/main" Requires="a14">
+      <mc:AlternateContent xmlns:mc="http://schemas.openxmlformats.org/markup-compatibility/2006" xmlns:a14="http://schemas.microsoft.com/office/drawing/2010/main">
+        <mc:Choice Requires="a14">
           <p:sp>
             <p:nvSpPr>
               <p:cNvPr id="5" name="內容版面配置區 4">
@@ -4724,7 +5352,7 @@
             </p:txBody>
           </p:sp>
         </mc:Choice>
-        <mc:Fallback>
+        <mc:Fallback xmlns="">
           <p:sp>
             <p:nvSpPr>
               <p:cNvPr id="5" name="內容版面配置區 4">

--- a/LA6mA/Presentation/LA6mA.pptx
+++ b/LA6mA/Presentation/LA6mA.pptx
@@ -11,18 +11,20 @@
     <p:sldId id="259" r:id="rId5"/>
     <p:sldId id="260" r:id="rId6"/>
     <p:sldId id="261" r:id="rId7"/>
-    <p:sldId id="262" r:id="rId8"/>
-    <p:sldId id="263" r:id="rId9"/>
-    <p:sldId id="264" r:id="rId10"/>
-    <p:sldId id="265" r:id="rId11"/>
-    <p:sldId id="266" r:id="rId12"/>
-    <p:sldId id="267" r:id="rId13"/>
-    <p:sldId id="268" r:id="rId14"/>
-    <p:sldId id="269" r:id="rId15"/>
-    <p:sldId id="270" r:id="rId16"/>
-    <p:sldId id="272" r:id="rId17"/>
-    <p:sldId id="271" r:id="rId18"/>
-    <p:sldId id="273" r:id="rId19"/>
+    <p:sldId id="277" r:id="rId8"/>
+    <p:sldId id="262" r:id="rId9"/>
+    <p:sldId id="263" r:id="rId10"/>
+    <p:sldId id="264" r:id="rId11"/>
+    <p:sldId id="265" r:id="rId12"/>
+    <p:sldId id="266" r:id="rId13"/>
+    <p:sldId id="267" r:id="rId14"/>
+    <p:sldId id="268" r:id="rId15"/>
+    <p:sldId id="276" r:id="rId16"/>
+    <p:sldId id="269" r:id="rId17"/>
+    <p:sldId id="270" r:id="rId18"/>
+    <p:sldId id="272" r:id="rId19"/>
+    <p:sldId id="271" r:id="rId20"/>
+    <p:sldId id="273" r:id="rId21"/>
   </p:sldIdLst>
   <p:sldSz cx="12192000" cy="6858000"/>
   <p:notesSz cx="6858000" cy="9144000"/>
@@ -276,7 +278,7 @@
           <a:p>
             <a:fld id="{D387A581-B7F8-4590-8AD6-24C818D07E60}" type="datetimeFigureOut">
               <a:rPr lang="zh-TW" altLang="en-US" smtClean="0"/>
-              <a:t>2022/8/9</a:t>
+              <a:t>2022/8/10</a:t>
             </a:fld>
             <a:endParaRPr lang="zh-TW" altLang="en-US"/>
           </a:p>
@@ -474,7 +476,7 @@
           <a:p>
             <a:fld id="{D387A581-B7F8-4590-8AD6-24C818D07E60}" type="datetimeFigureOut">
               <a:rPr lang="zh-TW" altLang="en-US" smtClean="0"/>
-              <a:t>2022/8/9</a:t>
+              <a:t>2022/8/10</a:t>
             </a:fld>
             <a:endParaRPr lang="zh-TW" altLang="en-US"/>
           </a:p>
@@ -682,7 +684,7 @@
           <a:p>
             <a:fld id="{D387A581-B7F8-4590-8AD6-24C818D07E60}" type="datetimeFigureOut">
               <a:rPr lang="zh-TW" altLang="en-US" smtClean="0"/>
-              <a:t>2022/8/9</a:t>
+              <a:t>2022/8/10</a:t>
             </a:fld>
             <a:endParaRPr lang="zh-TW" altLang="en-US"/>
           </a:p>
@@ -880,7 +882,7 @@
           <a:p>
             <a:fld id="{D387A581-B7F8-4590-8AD6-24C818D07E60}" type="datetimeFigureOut">
               <a:rPr lang="zh-TW" altLang="en-US" smtClean="0"/>
-              <a:t>2022/8/9</a:t>
+              <a:t>2022/8/10</a:t>
             </a:fld>
             <a:endParaRPr lang="zh-TW" altLang="en-US"/>
           </a:p>
@@ -1155,7 +1157,7 @@
           <a:p>
             <a:fld id="{D387A581-B7F8-4590-8AD6-24C818D07E60}" type="datetimeFigureOut">
               <a:rPr lang="zh-TW" altLang="en-US" smtClean="0"/>
-              <a:t>2022/8/9</a:t>
+              <a:t>2022/8/10</a:t>
             </a:fld>
             <a:endParaRPr lang="zh-TW" altLang="en-US"/>
           </a:p>
@@ -1420,7 +1422,7 @@
           <a:p>
             <a:fld id="{D387A581-B7F8-4590-8AD6-24C818D07E60}" type="datetimeFigureOut">
               <a:rPr lang="zh-TW" altLang="en-US" smtClean="0"/>
-              <a:t>2022/8/9</a:t>
+              <a:t>2022/8/10</a:t>
             </a:fld>
             <a:endParaRPr lang="zh-TW" altLang="en-US"/>
           </a:p>
@@ -1832,7 +1834,7 @@
           <a:p>
             <a:fld id="{D387A581-B7F8-4590-8AD6-24C818D07E60}" type="datetimeFigureOut">
               <a:rPr lang="zh-TW" altLang="en-US" smtClean="0"/>
-              <a:t>2022/8/9</a:t>
+              <a:t>2022/8/10</a:t>
             </a:fld>
             <a:endParaRPr lang="zh-TW" altLang="en-US"/>
           </a:p>
@@ -1973,7 +1975,7 @@
           <a:p>
             <a:fld id="{D387A581-B7F8-4590-8AD6-24C818D07E60}" type="datetimeFigureOut">
               <a:rPr lang="zh-TW" altLang="en-US" smtClean="0"/>
-              <a:t>2022/8/9</a:t>
+              <a:t>2022/8/10</a:t>
             </a:fld>
             <a:endParaRPr lang="zh-TW" altLang="en-US"/>
           </a:p>
@@ -2086,7 +2088,7 @@
           <a:p>
             <a:fld id="{D387A581-B7F8-4590-8AD6-24C818D07E60}" type="datetimeFigureOut">
               <a:rPr lang="zh-TW" altLang="en-US" smtClean="0"/>
-              <a:t>2022/8/9</a:t>
+              <a:t>2022/8/10</a:t>
             </a:fld>
             <a:endParaRPr lang="zh-TW" altLang="en-US"/>
           </a:p>
@@ -2397,7 +2399,7 @@
           <a:p>
             <a:fld id="{D387A581-B7F8-4590-8AD6-24C818D07E60}" type="datetimeFigureOut">
               <a:rPr lang="zh-TW" altLang="en-US" smtClean="0"/>
-              <a:t>2022/8/9</a:t>
+              <a:t>2022/8/10</a:t>
             </a:fld>
             <a:endParaRPr lang="zh-TW" altLang="en-US"/>
           </a:p>
@@ -2685,7 +2687,7 @@
           <a:p>
             <a:fld id="{D387A581-B7F8-4590-8AD6-24C818D07E60}" type="datetimeFigureOut">
               <a:rPr lang="zh-TW" altLang="en-US" smtClean="0"/>
-              <a:t>2022/8/9</a:t>
+              <a:t>2022/8/10</a:t>
             </a:fld>
             <a:endParaRPr lang="zh-TW" altLang="en-US"/>
           </a:p>
@@ -2926,7 +2928,7 @@
           <a:p>
             <a:fld id="{D387A581-B7F8-4590-8AD6-24C818D07E60}" type="datetimeFigureOut">
               <a:rPr lang="zh-TW" altLang="en-US" smtClean="0"/>
-              <a:t>2022/8/9</a:t>
+              <a:t>2022/8/10</a:t>
             </a:fld>
             <a:endParaRPr lang="zh-TW" altLang="en-US"/>
           </a:p>
@@ -3448,46 +3450,35 @@
             </a:pPr>
             <a:r>
               <a:rPr lang="zh-TW" altLang="en-US" sz="2000" dirty="0"/>
-              <a:t>   </a:t>
-            </a:r>
-            <a:endParaRPr lang="en-US" altLang="zh-TW" sz="2000" dirty="0"/>
-          </a:p>
-        </p:txBody>
-      </p:sp>
-      <p:pic>
-        <p:nvPicPr>
-          <p:cNvPr id="4" name="圖片 3">
-            <a:extLst>
-              <a:ext uri="{FF2B5EF4-FFF2-40B4-BE49-F238E27FC236}">
-                <a16:creationId xmlns:a16="http://schemas.microsoft.com/office/drawing/2014/main" id="{C046FA73-61C9-01A2-C6E7-4C4A3C37D158}"/>
-              </a:ext>
-            </a:extLst>
-          </p:cNvPr>
-          <p:cNvPicPr>
-            <a:picLocks noChangeAspect="1"/>
-          </p:cNvPicPr>
-          <p:nvPr/>
-        </p:nvPicPr>
-        <p:blipFill>
-          <a:blip r:embed="rId2"/>
-          <a:stretch>
-            <a:fillRect/>
-          </a:stretch>
-        </p:blipFill>
-        <p:spPr>
-          <a:xfrm>
-            <a:off x="0" y="1565145"/>
-            <a:ext cx="12192000" cy="3727709"/>
-          </a:xfrm>
-          <a:prstGeom prst="rect">
-            <a:avLst/>
-          </a:prstGeom>
-        </p:spPr>
-      </p:pic>
+              <a:t>    </a:t>
+            </a:r>
+            <a:r>
+              <a:rPr lang="en-US" altLang="zh-TW" sz="2000" dirty="0"/>
+              <a:t>The structure of AL6mA is a little different from that of LA6mA, as shown in Figure 1D. The input sequence of length L is encoded and then directly connected with the attention layer. After the attention layer is one bidirectional LSTM layer, the parameters of which are as follows: </a:t>
+            </a:r>
+            <a:r>
+              <a:rPr lang="en-US" altLang="zh-TW" sz="2000" dirty="0" err="1"/>
+              <a:t>num_units</a:t>
+            </a:r>
+            <a:r>
+              <a:rPr lang="en-US" altLang="zh-TW" sz="2000" dirty="0"/>
+              <a:t> set is at 128, whereas the </a:t>
+            </a:r>
+            <a:r>
+              <a:rPr lang="en-US" altLang="zh-TW" sz="2000" dirty="0" err="1"/>
+              <a:t>time_steps</a:t>
+            </a:r>
+            <a:r>
+              <a:rPr lang="en-US" altLang="zh-TW" sz="2000" dirty="0"/>
+              <a:t> is set at 41. Finally, the output of the last time step of Bi-LSTM is used as the final predict result.</a:t>
+            </a:r>
+          </a:p>
+        </p:txBody>
+      </p:sp>
     </p:spTree>
     <p:extLst>
       <p:ext uri="{BB962C8B-B14F-4D97-AF65-F5344CB8AC3E}">
-        <p14:creationId xmlns:p14="http://schemas.microsoft.com/office/powerpoint/2010/main" val="1929674380"/>
+        <p14:creationId xmlns:p14="http://schemas.microsoft.com/office/powerpoint/2010/main" val="2251206692"/>
       </p:ext>
     </p:extLst>
   </p:cSld>
@@ -3558,19 +3549,76 @@
             </a:pPr>
             <a:r>
               <a:rPr lang="zh-TW" altLang="en-US" sz="2000" dirty="0"/>
-              <a:t>    </a:t>
-            </a:r>
-            <a:r>
-              <a:rPr lang="en-US" altLang="zh-TW" sz="2000" dirty="0"/>
-              <a:t>It is noteworthy that the two proposed methods are not merely used to predict potential methylation sites. They also enable us to perform an in-depth analysis of the hidden information that the model pays attention to and utilizes to make the prediction. Figure 1B and C depict how the attention matrices are analyzed and interpreted for this purpose.</a:t>
-            </a:r>
-          </a:p>
-        </p:txBody>
-      </p:sp>
+              <a:t>   </a:t>
+            </a:r>
+            <a:endParaRPr lang="en-US" altLang="zh-TW" sz="2000" dirty="0"/>
+          </a:p>
+        </p:txBody>
+      </p:sp>
+      <p:pic>
+        <p:nvPicPr>
+          <p:cNvPr id="4" name="圖片 3">
+            <a:extLst>
+              <a:ext uri="{FF2B5EF4-FFF2-40B4-BE49-F238E27FC236}">
+                <a16:creationId xmlns:a16="http://schemas.microsoft.com/office/drawing/2014/main" id="{C046FA73-61C9-01A2-C6E7-4C4A3C37D158}"/>
+              </a:ext>
+            </a:extLst>
+          </p:cNvPr>
+          <p:cNvPicPr>
+            <a:picLocks noChangeAspect="1"/>
+          </p:cNvPicPr>
+          <p:nvPr/>
+        </p:nvPicPr>
+        <p:blipFill>
+          <a:blip r:embed="rId2"/>
+          <a:stretch>
+            <a:fillRect/>
+          </a:stretch>
+        </p:blipFill>
+        <p:spPr>
+          <a:xfrm>
+            <a:off x="0" y="1565145"/>
+            <a:ext cx="8304245" cy="3727709"/>
+          </a:xfrm>
+          <a:prstGeom prst="rect">
+            <a:avLst/>
+          </a:prstGeom>
+        </p:spPr>
+      </p:pic>
+      <p:pic>
+        <p:nvPicPr>
+          <p:cNvPr id="9" name="圖片 8">
+            <a:extLst>
+              <a:ext uri="{FF2B5EF4-FFF2-40B4-BE49-F238E27FC236}">
+                <a16:creationId xmlns:a16="http://schemas.microsoft.com/office/drawing/2014/main" id="{3C13343B-2B3F-5501-8FE2-51465059AC8B}"/>
+              </a:ext>
+            </a:extLst>
+          </p:cNvPr>
+          <p:cNvPicPr>
+            <a:picLocks noChangeAspect="1"/>
+          </p:cNvPicPr>
+          <p:nvPr/>
+        </p:nvPicPr>
+        <p:blipFill>
+          <a:blip r:embed="rId3"/>
+          <a:stretch>
+            <a:fillRect/>
+          </a:stretch>
+        </p:blipFill>
+        <p:spPr>
+          <a:xfrm>
+            <a:off x="8304245" y="1807132"/>
+            <a:ext cx="3887755" cy="3048425"/>
+          </a:xfrm>
+          <a:prstGeom prst="rect">
+            <a:avLst/>
+          </a:prstGeom>
+        </p:spPr>
+      </p:pic>
     </p:spTree>
     <p:extLst>
       <p:ext uri="{BB962C8B-B14F-4D97-AF65-F5344CB8AC3E}">
-        <p14:creationId xmlns:p14="http://schemas.microsoft.com/office/powerpoint/2010/main" val="4205887961"/>
+        <p14:creationId xmlns:p14="http://schemas.microsoft.com/office/powerpoint/2010/main" val="1929674380"/>
       </p:ext>
     </p:extLst>
   </p:cSld>
@@ -3627,8 +3675,13 @@
           <a:p>
             <a:r>
               <a:rPr lang="en-US" altLang="zh-TW" dirty="0"/>
-              <a:t>Implementation</a:t>
-            </a:r>
+              <a:t>Network architecture</a:t>
+            </a:r>
+            <a:r>
+              <a:rPr lang="zh-TW" altLang="en-US" sz="2000" dirty="0"/>
+              <a:t> </a:t>
+            </a:r>
+            <a:endParaRPr lang="en-US" altLang="zh-TW" sz="2000" dirty="0"/>
           </a:p>
           <a:p>
             <a:pPr marL="0" indent="0">
@@ -3640,6 +3693,84 @@
             </a:r>
             <a:r>
               <a:rPr lang="en-US" altLang="zh-TW" sz="2000" dirty="0"/>
+              <a:t>It is noteworthy that the two proposed methods are not merely used to predict potential methylation sites. They also enable us to perform an in-depth analysis of the hidden information that the model pays attention to and utilizes to make the prediction. Figure 1B and C depict how the attention matrices are analyzed and interpreted for this purpose.</a:t>
+            </a:r>
+          </a:p>
+        </p:txBody>
+      </p:sp>
+    </p:spTree>
+    <p:extLst>
+      <p:ext uri="{BB962C8B-B14F-4D97-AF65-F5344CB8AC3E}">
+        <p14:creationId xmlns:p14="http://schemas.microsoft.com/office/powerpoint/2010/main" val="4205887961"/>
+      </p:ext>
+    </p:extLst>
+  </p:cSld>
+  <p:clrMapOvr>
+    <a:masterClrMapping/>
+  </p:clrMapOvr>
+</p:sld>
+</file>
+
+<file path=ppt/slides/slide13.xml><?xml version="1.0" encoding="utf-8"?>
+<p:sld xmlns:a="http://schemas.openxmlformats.org/drawingml/2006/main" xmlns:r="http://schemas.openxmlformats.org/officeDocument/2006/relationships" xmlns:p="http://schemas.openxmlformats.org/presentationml/2006/main">
+  <p:cSld>
+    <p:spTree>
+      <p:nvGrpSpPr>
+        <p:cNvPr id="1" name=""/>
+        <p:cNvGrpSpPr/>
+        <p:nvPr/>
+      </p:nvGrpSpPr>
+      <p:grpSpPr>
+        <a:xfrm>
+          <a:off x="0" y="0"/>
+          <a:ext cx="0" cy="0"/>
+          <a:chOff x="0" y="0"/>
+          <a:chExt cx="0" cy="0"/>
+        </a:xfrm>
+      </p:grpSpPr>
+      <p:sp>
+        <p:nvSpPr>
+          <p:cNvPr id="5" name="內容版面配置區 4">
+            <a:extLst>
+              <a:ext uri="{FF2B5EF4-FFF2-40B4-BE49-F238E27FC236}">
+                <a16:creationId xmlns:a16="http://schemas.microsoft.com/office/drawing/2014/main" id="{BB2DC006-D6C4-415B-6480-10DBC0C4791F}"/>
+              </a:ext>
+            </a:extLst>
+          </p:cNvPr>
+          <p:cNvSpPr>
+            <a:spLocks noGrp="1"/>
+          </p:cNvSpPr>
+          <p:nvPr>
+            <p:ph idx="1"/>
+          </p:nvPr>
+        </p:nvSpPr>
+        <p:spPr>
+          <a:xfrm>
+            <a:off x="838200" y="624604"/>
+            <a:ext cx="10515600" cy="5608792"/>
+          </a:xfrm>
+        </p:spPr>
+        <p:txBody>
+          <a:bodyPr>
+            <a:normAutofit/>
+          </a:bodyPr>
+          <a:lstStyle/>
+          <a:p>
+            <a:r>
+              <a:rPr lang="en-US" altLang="zh-TW" dirty="0"/>
+              <a:t>Implementation</a:t>
+            </a:r>
+          </a:p>
+          <a:p>
+            <a:pPr marL="0" indent="0">
+              <a:buNone/>
+            </a:pPr>
+            <a:r>
+              <a:rPr lang="zh-TW" altLang="en-US" sz="2000" dirty="0"/>
+              <a:t>    </a:t>
+            </a:r>
+            <a:r>
+              <a:rPr lang="en-US" altLang="zh-TW" sz="2000" dirty="0"/>
               <a:t>The models are implemented in </a:t>
             </a:r>
             <a:r>
@@ -3653,6 +3784,511 @@
           </a:p>
         </p:txBody>
       </p:sp>
+      <p:graphicFrame>
+        <p:nvGraphicFramePr>
+          <p:cNvPr id="2" name="表格 5">
+            <a:extLst>
+              <a:ext uri="{FF2B5EF4-FFF2-40B4-BE49-F238E27FC236}">
+                <a16:creationId xmlns:a16="http://schemas.microsoft.com/office/drawing/2014/main" id="{1FDD6AE1-B1B9-7A12-B689-0136FBD972EB}"/>
+              </a:ext>
+            </a:extLst>
+          </p:cNvPr>
+          <p:cNvGraphicFramePr>
+            <a:graphicFrameLocks noGrp="1"/>
+          </p:cNvGraphicFramePr>
+          <p:nvPr>
+            <p:extLst>
+              <p:ext uri="{D42A27DB-BD31-4B8C-83A1-F6EECF244321}">
+                <p14:modId xmlns:p14="http://schemas.microsoft.com/office/powerpoint/2010/main" val="330030527"/>
+              </p:ext>
+            </p:extLst>
+          </p:nvPr>
+        </p:nvGraphicFramePr>
+        <p:xfrm>
+          <a:off x="754224" y="4379196"/>
+          <a:ext cx="10683552" cy="1488944"/>
+        </p:xfrm>
+        <a:graphic>
+          <a:graphicData uri="http://schemas.openxmlformats.org/drawingml/2006/table">
+            <a:tbl>
+              <a:tblPr firstRow="1" bandRow="1">
+                <a:tableStyleId>{5C22544A-7EE6-4342-B048-85BDC9FD1C3A}</a:tableStyleId>
+              </a:tblPr>
+              <a:tblGrid>
+                <a:gridCol w="2670888">
+                  <a:extLst>
+                    <a:ext uri="{9D8B030D-6E8A-4147-A177-3AD203B41FA5}">
+                      <a16:colId xmlns:a16="http://schemas.microsoft.com/office/drawing/2014/main" val="2499632981"/>
+                    </a:ext>
+                  </a:extLst>
+                </a:gridCol>
+                <a:gridCol w="2670888">
+                  <a:extLst>
+                    <a:ext uri="{9D8B030D-6E8A-4147-A177-3AD203B41FA5}">
+                      <a16:colId xmlns:a16="http://schemas.microsoft.com/office/drawing/2014/main" val="4106339976"/>
+                    </a:ext>
+                  </a:extLst>
+                </a:gridCol>
+                <a:gridCol w="2670888">
+                  <a:extLst>
+                    <a:ext uri="{9D8B030D-6E8A-4147-A177-3AD203B41FA5}">
+                      <a16:colId xmlns:a16="http://schemas.microsoft.com/office/drawing/2014/main" val="1729740350"/>
+                    </a:ext>
+                  </a:extLst>
+                </a:gridCol>
+                <a:gridCol w="2670888">
+                  <a:extLst>
+                    <a:ext uri="{9D8B030D-6E8A-4147-A177-3AD203B41FA5}">
+                      <a16:colId xmlns:a16="http://schemas.microsoft.com/office/drawing/2014/main" val="2141561457"/>
+                    </a:ext>
+                  </a:extLst>
+                </a:gridCol>
+              </a:tblGrid>
+              <a:tr h="370840">
+                <a:tc>
+                  <a:txBody>
+                    <a:bodyPr/>
+                    <a:lstStyle/>
+                    <a:p>
+                      <a:r>
+                        <a:rPr lang="en-US" altLang="zh-TW" b="0" dirty="0" err="1">
+                          <a:solidFill>
+                            <a:schemeClr val="tx1"/>
+                          </a:solidFill>
+                        </a:rPr>
+                        <a:t>Opt:adam</a:t>
+                      </a:r>
+                      <a:endParaRPr lang="zh-TW" altLang="en-US" b="0" dirty="0">
+                        <a:solidFill>
+                          <a:schemeClr val="tx1"/>
+                        </a:solidFill>
+                      </a:endParaRPr>
+                    </a:p>
+                  </a:txBody>
+                  <a:tcPr>
+                    <a:solidFill>
+                      <a:schemeClr val="accent5">
+                        <a:lumMod val="20000"/>
+                        <a:lumOff val="80000"/>
+                      </a:schemeClr>
+                    </a:solidFill>
+                  </a:tcPr>
+                </a:tc>
+                <a:tc>
+                  <a:txBody>
+                    <a:bodyPr/>
+                    <a:lstStyle/>
+                    <a:p>
+                      <a:r>
+                        <a:rPr lang="en-US" altLang="zh-TW" b="0" dirty="0" err="1">
+                          <a:solidFill>
+                            <a:schemeClr val="tx1"/>
+                          </a:solidFill>
+                        </a:rPr>
+                        <a:t>Learning_rate</a:t>
+                      </a:r>
+                      <a:r>
+                        <a:rPr lang="en-US" altLang="zh-TW" b="0" dirty="0">
+                          <a:solidFill>
+                            <a:schemeClr val="tx1"/>
+                          </a:solidFill>
+                        </a:rPr>
+                        <a:t>=0.001</a:t>
+                      </a:r>
+                      <a:endParaRPr lang="zh-TW" altLang="en-US" b="0" dirty="0">
+                        <a:solidFill>
+                          <a:schemeClr val="tx1"/>
+                        </a:solidFill>
+                      </a:endParaRPr>
+                    </a:p>
+                  </a:txBody>
+                  <a:tcPr>
+                    <a:solidFill>
+                      <a:schemeClr val="accent5">
+                        <a:lumMod val="20000"/>
+                        <a:lumOff val="80000"/>
+                      </a:schemeClr>
+                    </a:solidFill>
+                  </a:tcPr>
+                </a:tc>
+                <a:tc>
+                  <a:txBody>
+                    <a:bodyPr/>
+                    <a:lstStyle/>
+                    <a:p>
+                      <a:r>
+                        <a:rPr lang="en-US" altLang="zh-TW" sz="1800" b="0" dirty="0">
+                          <a:solidFill>
+                            <a:schemeClr val="tx1"/>
+                          </a:solidFill>
+                        </a:rPr>
+                        <a:t>beta_1 = 0.9</a:t>
+                      </a:r>
+                      <a:endParaRPr lang="zh-TW" altLang="en-US" b="0" dirty="0">
+                        <a:solidFill>
+                          <a:schemeClr val="tx1"/>
+                        </a:solidFill>
+                      </a:endParaRPr>
+                    </a:p>
+                  </a:txBody>
+                  <a:tcPr>
+                    <a:solidFill>
+                      <a:schemeClr val="accent5">
+                        <a:lumMod val="20000"/>
+                        <a:lumOff val="80000"/>
+                      </a:schemeClr>
+                    </a:solidFill>
+                  </a:tcPr>
+                </a:tc>
+                <a:tc>
+                  <a:txBody>
+                    <a:bodyPr/>
+                    <a:lstStyle/>
+                    <a:p>
+                      <a:r>
+                        <a:rPr lang="en-US" altLang="zh-TW" sz="1800" b="0" dirty="0">
+                          <a:solidFill>
+                            <a:schemeClr val="tx1"/>
+                          </a:solidFill>
+                        </a:rPr>
+                        <a:t>beta_2 = 0.999</a:t>
+                      </a:r>
+                      <a:endParaRPr lang="zh-TW" altLang="en-US" b="0" dirty="0">
+                        <a:solidFill>
+                          <a:schemeClr val="tx1"/>
+                        </a:solidFill>
+                      </a:endParaRPr>
+                    </a:p>
+                  </a:txBody>
+                  <a:tcPr>
+                    <a:solidFill>
+                      <a:schemeClr val="accent5">
+                        <a:lumMod val="20000"/>
+                        <a:lumOff val="80000"/>
+                      </a:schemeClr>
+                    </a:solidFill>
+                  </a:tcPr>
+                </a:tc>
+                <a:extLst>
+                  <a:ext uri="{0D108BD9-81ED-4DB2-BD59-A6C34878D82A}">
+                    <a16:rowId xmlns:a16="http://schemas.microsoft.com/office/drawing/2014/main" val="3602804410"/>
+                  </a:ext>
+                </a:extLst>
+              </a:tr>
+              <a:tr h="370840">
+                <a:tc gridSpan="2">
+                  <a:txBody>
+                    <a:bodyPr/>
+                    <a:lstStyle/>
+                    <a:p>
+                      <a:r>
+                        <a:rPr lang="en-US" altLang="zh-TW" dirty="0">
+                          <a:solidFill>
+                            <a:schemeClr val="tx1"/>
+                          </a:solidFill>
+                        </a:rPr>
+                        <a:t>Learning rate decay=0.5</a:t>
+                      </a:r>
+                      <a:endParaRPr lang="zh-TW" altLang="en-US" dirty="0">
+                        <a:solidFill>
+                          <a:schemeClr val="tx1"/>
+                        </a:solidFill>
+                      </a:endParaRPr>
+                    </a:p>
+                  </a:txBody>
+                  <a:tcPr>
+                    <a:solidFill>
+                      <a:schemeClr val="accent5">
+                        <a:lumMod val="20000"/>
+                        <a:lumOff val="80000"/>
+                      </a:schemeClr>
+                    </a:solidFill>
+                  </a:tcPr>
+                </a:tc>
+                <a:tc hMerge="1">
+                  <a:txBody>
+                    <a:bodyPr/>
+                    <a:lstStyle/>
+                    <a:p>
+                      <a:endParaRPr lang="zh-TW" altLang="en-US" dirty="0"/>
+                    </a:p>
+                  </a:txBody>
+                  <a:tcPr/>
+                </a:tc>
+                <a:tc gridSpan="2">
+                  <a:txBody>
+                    <a:bodyPr/>
+                    <a:lstStyle/>
+                    <a:p>
+                      <a:r>
+                        <a:rPr lang="en-US" altLang="zh-TW" dirty="0">
+                          <a:solidFill>
+                            <a:schemeClr val="tx1"/>
+                          </a:solidFill>
+                        </a:rPr>
+                        <a:t>Patience=7</a:t>
+                      </a:r>
+                      <a:endParaRPr lang="zh-TW" altLang="en-US" dirty="0">
+                        <a:solidFill>
+                          <a:schemeClr val="tx1"/>
+                        </a:solidFill>
+                      </a:endParaRPr>
+                    </a:p>
+                  </a:txBody>
+                  <a:tcPr>
+                    <a:solidFill>
+                      <a:schemeClr val="accent5">
+                        <a:lumMod val="20000"/>
+                        <a:lumOff val="80000"/>
+                      </a:schemeClr>
+                    </a:solidFill>
+                  </a:tcPr>
+                </a:tc>
+                <a:tc hMerge="1">
+                  <a:txBody>
+                    <a:bodyPr/>
+                    <a:lstStyle/>
+                    <a:p>
+                      <a:endParaRPr lang="zh-TW" altLang="en-US"/>
+                    </a:p>
+                  </a:txBody>
+                  <a:tcPr/>
+                </a:tc>
+                <a:extLst>
+                  <a:ext uri="{0D108BD9-81ED-4DB2-BD59-A6C34878D82A}">
+                    <a16:rowId xmlns:a16="http://schemas.microsoft.com/office/drawing/2014/main" val="3062443277"/>
+                  </a:ext>
+                </a:extLst>
+              </a:tr>
+              <a:tr h="370840">
+                <a:tc gridSpan="4">
+                  <a:txBody>
+                    <a:bodyPr/>
+                    <a:lstStyle/>
+                    <a:p>
+                      <a:pPr marL="0" marR="0" lvl="0" indent="0" algn="l" defTabSz="914400" rtl="0" eaLnBrk="1" fontAlgn="auto" latinLnBrk="0" hangingPunct="1">
+                        <a:lnSpc>
+                          <a:spcPct val="100000"/>
+                        </a:lnSpc>
+                        <a:spcBef>
+                          <a:spcPts val="0"/>
+                        </a:spcBef>
+                        <a:spcAft>
+                          <a:spcPts val="0"/>
+                        </a:spcAft>
+                        <a:buClrTx/>
+                        <a:buSzTx/>
+                        <a:buFontTx/>
+                        <a:buNone/>
+                        <a:tabLst/>
+                        <a:defRPr/>
+                      </a:pPr>
+                      <a:r>
+                        <a:rPr lang="en-US" altLang="zh-TW" dirty="0" err="1">
+                          <a:solidFill>
+                            <a:schemeClr val="tx1"/>
+                          </a:solidFill>
+                        </a:rPr>
+                        <a:t>Batch_size</a:t>
+                      </a:r>
+                      <a:r>
+                        <a:rPr lang="en-US" altLang="zh-TW" dirty="0">
+                          <a:solidFill>
+                            <a:schemeClr val="tx1"/>
+                          </a:solidFill>
+                        </a:rPr>
+                        <a:t>=128</a:t>
+                      </a:r>
+                      <a:endParaRPr lang="zh-TW" altLang="en-US" dirty="0">
+                        <a:solidFill>
+                          <a:schemeClr val="tx1"/>
+                        </a:solidFill>
+                      </a:endParaRPr>
+                    </a:p>
+                  </a:txBody>
+                  <a:tcPr>
+                    <a:solidFill>
+                      <a:schemeClr val="accent5">
+                        <a:lumMod val="20000"/>
+                        <a:lumOff val="80000"/>
+                      </a:schemeClr>
+                    </a:solidFill>
+                  </a:tcPr>
+                </a:tc>
+                <a:tc hMerge="1">
+                  <a:txBody>
+                    <a:bodyPr/>
+                    <a:lstStyle/>
+                    <a:p>
+                      <a:endParaRPr lang="zh-TW" altLang="en-US" dirty="0">
+                        <a:solidFill>
+                          <a:schemeClr val="tx1"/>
+                        </a:solidFill>
+                      </a:endParaRPr>
+                    </a:p>
+                  </a:txBody>
+                  <a:tcPr>
+                    <a:solidFill>
+                      <a:schemeClr val="accent5">
+                        <a:lumMod val="20000"/>
+                        <a:lumOff val="80000"/>
+                      </a:schemeClr>
+                    </a:solidFill>
+                  </a:tcPr>
+                </a:tc>
+                <a:tc hMerge="1">
+                  <a:txBody>
+                    <a:bodyPr/>
+                    <a:lstStyle/>
+                    <a:p>
+                      <a:endParaRPr lang="zh-TW" altLang="en-US"/>
+                    </a:p>
+                  </a:txBody>
+                  <a:tcPr/>
+                </a:tc>
+                <a:tc hMerge="1">
+                  <a:txBody>
+                    <a:bodyPr/>
+                    <a:lstStyle/>
+                    <a:p>
+                      <a:endParaRPr lang="zh-TW" altLang="en-US"/>
+                    </a:p>
+                  </a:txBody>
+                  <a:tcPr/>
+                </a:tc>
+                <a:extLst>
+                  <a:ext uri="{0D108BD9-81ED-4DB2-BD59-A6C34878D82A}">
+                    <a16:rowId xmlns:a16="http://schemas.microsoft.com/office/drawing/2014/main" val="385279215"/>
+                  </a:ext>
+                </a:extLst>
+              </a:tr>
+              <a:tr h="376424">
+                <a:tc>
+                  <a:txBody>
+                    <a:bodyPr/>
+                    <a:lstStyle/>
+                    <a:p>
+                      <a:r>
+                        <a:rPr lang="en-US" altLang="zh-TW" dirty="0" err="1">
+                          <a:solidFill>
+                            <a:schemeClr val="tx1"/>
+                          </a:solidFill>
+                        </a:rPr>
+                        <a:t>Earlystopping</a:t>
+                      </a:r>
+                      <a:endParaRPr lang="zh-TW" altLang="en-US" dirty="0">
+                        <a:solidFill>
+                          <a:schemeClr val="tx1"/>
+                        </a:solidFill>
+                      </a:endParaRPr>
+                    </a:p>
+                  </a:txBody>
+                  <a:tcPr>
+                    <a:solidFill>
+                      <a:schemeClr val="accent5">
+                        <a:lumMod val="20000"/>
+                        <a:lumOff val="80000"/>
+                      </a:schemeClr>
+                    </a:solidFill>
+                  </a:tcPr>
+                </a:tc>
+                <a:tc>
+                  <a:txBody>
+                    <a:bodyPr/>
+                    <a:lstStyle/>
+                    <a:p>
+                      <a:r>
+                        <a:rPr lang="en-US" altLang="zh-TW" dirty="0">
+                          <a:solidFill>
+                            <a:schemeClr val="tx1"/>
+                          </a:solidFill>
+                        </a:rPr>
+                        <a:t>Monitor=</a:t>
+                      </a:r>
+                      <a:r>
+                        <a:rPr lang="en-US" altLang="zh-TW" dirty="0" err="1">
+                          <a:solidFill>
+                            <a:schemeClr val="tx1"/>
+                          </a:solidFill>
+                        </a:rPr>
+                        <a:t>val_loss</a:t>
+                      </a:r>
+                      <a:endParaRPr lang="zh-TW" altLang="en-US" dirty="0">
+                        <a:solidFill>
+                          <a:schemeClr val="tx1"/>
+                        </a:solidFill>
+                      </a:endParaRPr>
+                    </a:p>
+                  </a:txBody>
+                  <a:tcPr>
+                    <a:solidFill>
+                      <a:schemeClr val="accent5">
+                        <a:lumMod val="20000"/>
+                        <a:lumOff val="80000"/>
+                      </a:schemeClr>
+                    </a:solidFill>
+                  </a:tcPr>
+                </a:tc>
+                <a:tc>
+                  <a:txBody>
+                    <a:bodyPr/>
+                    <a:lstStyle/>
+                    <a:p>
+                      <a:r>
+                        <a:rPr lang="en-US" altLang="zh-TW" dirty="0">
+                          <a:solidFill>
+                            <a:schemeClr val="tx1"/>
+                          </a:solidFill>
+                        </a:rPr>
+                        <a:t>Patience=7</a:t>
+                      </a:r>
+                      <a:endParaRPr lang="zh-TW" altLang="en-US" dirty="0">
+                        <a:solidFill>
+                          <a:schemeClr val="tx1"/>
+                        </a:solidFill>
+                      </a:endParaRPr>
+                    </a:p>
+                  </a:txBody>
+                  <a:tcPr>
+                    <a:solidFill>
+                      <a:schemeClr val="accent5">
+                        <a:lumMod val="20000"/>
+                        <a:lumOff val="80000"/>
+                      </a:schemeClr>
+                    </a:solidFill>
+                  </a:tcPr>
+                </a:tc>
+                <a:tc>
+                  <a:txBody>
+                    <a:bodyPr/>
+                    <a:lstStyle/>
+                    <a:p>
+                      <a:endParaRPr lang="zh-TW" altLang="en-US" dirty="0">
+                        <a:solidFill>
+                          <a:schemeClr val="tx1"/>
+                        </a:solidFill>
+                      </a:endParaRPr>
+                    </a:p>
+                  </a:txBody>
+                  <a:tcPr>
+                    <a:solidFill>
+                      <a:schemeClr val="accent5">
+                        <a:lumMod val="20000"/>
+                        <a:lumOff val="80000"/>
+                      </a:schemeClr>
+                    </a:solidFill>
+                  </a:tcPr>
+                </a:tc>
+                <a:extLst>
+                  <a:ext uri="{0D108BD9-81ED-4DB2-BD59-A6C34878D82A}">
+                    <a16:rowId xmlns:a16="http://schemas.microsoft.com/office/drawing/2014/main" val="3081816264"/>
+                  </a:ext>
+                </a:extLst>
+              </a:tr>
+            </a:tbl>
+          </a:graphicData>
+        </a:graphic>
+      </p:graphicFrame>
     </p:spTree>
     <p:extLst>
       <p:ext uri="{BB962C8B-B14F-4D97-AF65-F5344CB8AC3E}">
@@ -3666,7 +4302,7 @@
 </p:sld>
 </file>
 
-<file path=ppt/slides/slide13.xml><?xml version="1.0" encoding="utf-8"?>
+<file path=ppt/slides/slide14.xml><?xml version="1.0" encoding="utf-8"?>
 <p:sld xmlns:a="http://schemas.openxmlformats.org/drawingml/2006/main" xmlns:r="http://schemas.openxmlformats.org/officeDocument/2006/relationships" xmlns:p="http://schemas.openxmlformats.org/presentationml/2006/main">
   <p:cSld>
     <p:spTree>
@@ -3988,7 +4624,7 @@
 </p:sld>
 </file>
 
-<file path=ppt/slides/slide14.xml><?xml version="1.0" encoding="utf-8"?>
+<file path=ppt/slides/slide15.xml><?xml version="1.0" encoding="utf-8"?>
 <p:sld xmlns:a="http://schemas.openxmlformats.org/drawingml/2006/main" xmlns:r="http://schemas.openxmlformats.org/officeDocument/2006/relationships" xmlns:p="http://schemas.openxmlformats.org/presentationml/2006/main">
   <p:cSld>
     <p:spTree>
@@ -4005,6 +4641,66 @@
           <a:chExt cx="0" cy="0"/>
         </a:xfrm>
       </p:grpSpPr>
+      <p:pic>
+        <p:nvPicPr>
+          <p:cNvPr id="7" name="圖片 6">
+            <a:extLst>
+              <a:ext uri="{FF2B5EF4-FFF2-40B4-BE49-F238E27FC236}">
+                <a16:creationId xmlns:a16="http://schemas.microsoft.com/office/drawing/2014/main" id="{A7E1A07E-43C4-DF9C-6080-DE1B31B15636}"/>
+              </a:ext>
+            </a:extLst>
+          </p:cNvPr>
+          <p:cNvPicPr>
+            <a:picLocks noChangeAspect="1"/>
+          </p:cNvPicPr>
+          <p:nvPr/>
+        </p:nvPicPr>
+        <p:blipFill>
+          <a:blip r:embed="rId2"/>
+          <a:stretch>
+            <a:fillRect/>
+          </a:stretch>
+        </p:blipFill>
+        <p:spPr>
+          <a:xfrm>
+            <a:off x="2201578" y="0"/>
+            <a:ext cx="7788843" cy="6858000"/>
+          </a:xfrm>
+          <a:prstGeom prst="rect">
+            <a:avLst/>
+          </a:prstGeom>
+        </p:spPr>
+      </p:pic>
+    </p:spTree>
+    <p:extLst>
+      <p:ext uri="{BB962C8B-B14F-4D97-AF65-F5344CB8AC3E}">
+        <p14:creationId xmlns:p14="http://schemas.microsoft.com/office/powerpoint/2010/main" val="2533265522"/>
+      </p:ext>
+    </p:extLst>
+  </p:cSld>
+  <p:clrMapOvr>
+    <a:masterClrMapping/>
+  </p:clrMapOvr>
+</p:sld>
+</file>
+
+<file path=ppt/slides/slide16.xml><?xml version="1.0" encoding="utf-8"?>
+<p:sld xmlns:a="http://schemas.openxmlformats.org/drawingml/2006/main" xmlns:r="http://schemas.openxmlformats.org/officeDocument/2006/relationships" xmlns:p="http://schemas.openxmlformats.org/presentationml/2006/main">
+  <p:cSld>
+    <p:spTree>
+      <p:nvGrpSpPr>
+        <p:cNvPr id="1" name=""/>
+        <p:cNvGrpSpPr/>
+        <p:nvPr/>
+      </p:nvGrpSpPr>
+      <p:grpSpPr>
+        <a:xfrm>
+          <a:off x="0" y="0"/>
+          <a:ext cx="0" cy="0"/>
+          <a:chOff x="0" y="0"/>
+          <a:chExt cx="0" cy="0"/>
+        </a:xfrm>
+      </p:grpSpPr>
       <p:sp>
         <p:nvSpPr>
           <p:cNvPr id="5" name="內容版面配置區 4">
@@ -4057,7 +4753,32 @@
             </a:pPr>
             <a:r>
               <a:rPr lang="en-US" altLang="zh-TW" sz="2000" dirty="0"/>
-              <a:t>    Figure 2C and F display the randomly initialized attention vectors of the AL6mA and LA6mA methods, respectively. As can be seen, the initial attention weights of AL6mA appeared to be distributed randomly throughout the sequence (Figure 2C), which obviously differed from each other. In the case of LA6mA, its initialized attention weights were almost evenly distributed (Figure 2F). When an input sequence was fed into an initialized LA6mA model, the LSTM layer extracted the features of the sequence, which were then passed into the attention layer. That is the main reason why the values in the extracted initial attention vector of LA6mA were distributed evenly.</a:t>
+              <a:t>    Figure 2C and F display the </a:t>
+            </a:r>
+            <a:r>
+              <a:rPr lang="en-US" altLang="zh-TW" sz="2000" dirty="0">
+                <a:solidFill>
+                  <a:srgbClr val="FF0000"/>
+                </a:solidFill>
+              </a:rPr>
+              <a:t>randomly initialized </a:t>
+            </a:r>
+            <a:r>
+              <a:rPr lang="en-US" altLang="zh-TW" sz="2000" dirty="0"/>
+              <a:t>attention vectors of the AL6mA and LA6mA methods, respectively. As can be seen, the initial attention weights of AL6mA appeared to be distributed randomly throughout the sequence (Figure 2C), which obviously differed from each other. </a:t>
+            </a:r>
+          </a:p>
+          <a:p>
+            <a:pPr marL="0" indent="0">
+              <a:buNone/>
+            </a:pPr>
+            <a:r>
+              <a:rPr lang="zh-TW" altLang="en-US" sz="2000" dirty="0"/>
+              <a:t>    </a:t>
+            </a:r>
+            <a:r>
+              <a:rPr lang="en-US" altLang="zh-TW" sz="2000" dirty="0"/>
+              <a:t>In the case of LA6mA, its initialized attention weights were almost evenly distributed (Figure 2F). When an input sequence was fed into an initialized LA6mA model, the LSTM layer extracted the features of the sequence, which were then passed into the attention layer. That is the main reason why the values in the extracted initial attention vector of LA6mA were distributed evenly.</a:t>
             </a:r>
           </a:p>
         </p:txBody>
@@ -4105,7 +4826,7 @@
 </p:sld>
 </file>
 
-<file path=ppt/slides/slide15.xml><?xml version="1.0" encoding="utf-8"?>
+<file path=ppt/slides/slide17.xml><?xml version="1.0" encoding="utf-8"?>
 <p:sld xmlns:a="http://schemas.openxmlformats.org/drawingml/2006/main" xmlns:r="http://schemas.openxmlformats.org/officeDocument/2006/relationships" xmlns:p="http://schemas.openxmlformats.org/presentationml/2006/main">
   <p:cSld>
     <p:spTree>
@@ -4200,7 +4921,7 @@
 </p:sld>
 </file>
 
-<file path=ppt/slides/slide16.xml><?xml version="1.0" encoding="utf-8"?>
+<file path=ppt/slides/slide18.xml><?xml version="1.0" encoding="utf-8"?>
 <p:sld xmlns:a="http://schemas.openxmlformats.org/drawingml/2006/main" xmlns:r="http://schemas.openxmlformats.org/officeDocument/2006/relationships" xmlns:p="http://schemas.openxmlformats.org/presentationml/2006/main">
   <p:cSld>
     <p:spTree>
@@ -4317,7 +5038,7 @@
 </p:sld>
 </file>
 
-<file path=ppt/slides/slide17.xml><?xml version="1.0" encoding="utf-8"?>
+<file path=ppt/slides/slide19.xml><?xml version="1.0" encoding="utf-8"?>
 <p:sld xmlns:a="http://schemas.openxmlformats.org/drawingml/2006/main" xmlns:r="http://schemas.openxmlformats.org/officeDocument/2006/relationships" xmlns:p="http://schemas.openxmlformats.org/presentationml/2006/main">
   <p:cSld>
     <p:spTree>
@@ -4386,7 +5107,7 @@
             </a:pPr>
             <a:r>
               <a:rPr lang="en-US" altLang="zh-TW" sz="2000" dirty="0"/>
-              <a:t> To observe the changes of the attention vectors, the attention weights were extracted during model optimization. The changes are then displayed as 3D graphics, shown in Figure 2B and E. It can be seen that, in accordance with the increase of the epochs, the values of the central regions increased, whereas the values of the marginal regions decreased, highlighting that the models could automatically focus on the key areas during the optimization. Surprisingly, the changes of the attention vectors that attended to the key positions appeared to occur after only a few epochs, and as the iteration progressed, the values of the attention vectors were being constantly fine-tuned and eventually reached the plateau. Figure 2B and E verified rapid identification of the key positions that are relevant for making the prediction by the model.</a:t>
+              <a:t>    To observe the changes of the attention vectors, the attention weights were extracted during model optimization. The changes are then displayed as 3D graphics, shown in Figure 2B and E. It can be seen that, in accordance with the increase of the epochs, the values of the central regions increased, whereas the values of the marginal regions decreased, highlighting that the models could automatically focus on the key areas during the optimization. Surprisingly, the changes of the attention vectors that attended to the key positions appeared to occur after only a few epochs, and as the iteration progressed, the values of the attention vectors were being constantly fine-tuned and eventually reached the plateau. Figure 2B and E verified rapid identification of the key positions that are relevant for making the prediction by the model.</a:t>
             </a:r>
           </a:p>
         </p:txBody>
@@ -4395,114 +5116,6 @@
     <p:extLst>
       <p:ext uri="{BB962C8B-B14F-4D97-AF65-F5344CB8AC3E}">
         <p14:creationId xmlns:p14="http://schemas.microsoft.com/office/powerpoint/2010/main" val="2314292834"/>
-      </p:ext>
-    </p:extLst>
-  </p:cSld>
-  <p:clrMapOvr>
-    <a:masterClrMapping/>
-  </p:clrMapOvr>
-</p:sld>
-</file>
-
-<file path=ppt/slides/slide18.xml><?xml version="1.0" encoding="utf-8"?>
-<p:sld xmlns:a="http://schemas.openxmlformats.org/drawingml/2006/main" xmlns:r="http://schemas.openxmlformats.org/officeDocument/2006/relationships" xmlns:p="http://schemas.openxmlformats.org/presentationml/2006/main">
-  <p:cSld>
-    <p:spTree>
-      <p:nvGrpSpPr>
-        <p:cNvPr id="1" name=""/>
-        <p:cNvGrpSpPr/>
-        <p:nvPr/>
-      </p:nvGrpSpPr>
-      <p:grpSpPr>
-        <a:xfrm>
-          <a:off x="0" y="0"/>
-          <a:ext cx="0" cy="0"/>
-          <a:chOff x="0" y="0"/>
-          <a:chExt cx="0" cy="0"/>
-        </a:xfrm>
-      </p:grpSpPr>
-      <p:sp>
-        <p:nvSpPr>
-          <p:cNvPr id="5" name="內容版面配置區 4">
-            <a:extLst>
-              <a:ext uri="{FF2B5EF4-FFF2-40B4-BE49-F238E27FC236}">
-                <a16:creationId xmlns:a16="http://schemas.microsoft.com/office/drawing/2014/main" id="{BB2DC006-D6C4-415B-6480-10DBC0C4791F}"/>
-              </a:ext>
-            </a:extLst>
-          </p:cNvPr>
-          <p:cNvSpPr>
-            <a:spLocks noGrp="1"/>
-          </p:cNvSpPr>
-          <p:nvPr>
-            <p:ph idx="1"/>
-          </p:nvPr>
-        </p:nvSpPr>
-        <p:spPr>
-          <a:xfrm>
-            <a:off x="838200" y="624604"/>
-            <a:ext cx="10515600" cy="5608792"/>
-          </a:xfrm>
-        </p:spPr>
-        <p:txBody>
-          <a:bodyPr>
-            <a:normAutofit/>
-          </a:bodyPr>
-          <a:lstStyle/>
-          <a:p>
-            <a:r>
-              <a:rPr lang="en-US" altLang="zh-TW" dirty="0"/>
-              <a:t>Results and discussion</a:t>
-            </a:r>
-            <a:r>
-              <a:rPr lang="zh-TW" altLang="en-US" dirty="0"/>
-              <a:t> </a:t>
-            </a:r>
-            <a:r>
-              <a:rPr lang="en-US" altLang="zh-TW" dirty="0"/>
-              <a:t>- Rapid identification of key positions</a:t>
-            </a:r>
-            <a:r>
-              <a:rPr lang="zh-TW" altLang="en-US" dirty="0"/>
-              <a:t>    </a:t>
-            </a:r>
-            <a:endParaRPr lang="en-US" altLang="zh-TW" dirty="0"/>
-          </a:p>
-        </p:txBody>
-      </p:sp>
-      <p:pic>
-        <p:nvPicPr>
-          <p:cNvPr id="3" name="圖片 2">
-            <a:extLst>
-              <a:ext uri="{FF2B5EF4-FFF2-40B4-BE49-F238E27FC236}">
-                <a16:creationId xmlns:a16="http://schemas.microsoft.com/office/drawing/2014/main" id="{F0175345-C9D6-2DD6-05FB-CF263CF33C71}"/>
-              </a:ext>
-            </a:extLst>
-          </p:cNvPr>
-          <p:cNvPicPr>
-            <a:picLocks noChangeAspect="1"/>
-          </p:cNvPicPr>
-          <p:nvPr/>
-        </p:nvPicPr>
-        <p:blipFill>
-          <a:blip r:embed="rId2"/>
-          <a:stretch>
-            <a:fillRect/>
-          </a:stretch>
-        </p:blipFill>
-        <p:spPr>
-          <a:xfrm>
-            <a:off x="102637" y="2105712"/>
-            <a:ext cx="12192000" cy="2646576"/>
-          </a:xfrm>
-          <a:prstGeom prst="rect">
-            <a:avLst/>
-          </a:prstGeom>
-        </p:spPr>
-      </p:pic>
-    </p:spTree>
-    <p:extLst>
-      <p:ext uri="{BB962C8B-B14F-4D97-AF65-F5344CB8AC3E}">
-        <p14:creationId xmlns:p14="http://schemas.microsoft.com/office/powerpoint/2010/main" val="277378420"/>
       </p:ext>
     </p:extLst>
   </p:cSld>
@@ -4638,6 +5251,66 @@
 </p:sld>
 </file>
 
+<file path=ppt/slides/slide20.xml><?xml version="1.0" encoding="utf-8"?>
+<p:sld xmlns:a="http://schemas.openxmlformats.org/drawingml/2006/main" xmlns:r="http://schemas.openxmlformats.org/officeDocument/2006/relationships" xmlns:p="http://schemas.openxmlformats.org/presentationml/2006/main">
+  <p:cSld>
+    <p:spTree>
+      <p:nvGrpSpPr>
+        <p:cNvPr id="1" name=""/>
+        <p:cNvGrpSpPr/>
+        <p:nvPr/>
+      </p:nvGrpSpPr>
+      <p:grpSpPr>
+        <a:xfrm>
+          <a:off x="0" y="0"/>
+          <a:ext cx="0" cy="0"/>
+          <a:chOff x="0" y="0"/>
+          <a:chExt cx="0" cy="0"/>
+        </a:xfrm>
+      </p:grpSpPr>
+      <p:pic>
+        <p:nvPicPr>
+          <p:cNvPr id="4" name="圖片 3">
+            <a:extLst>
+              <a:ext uri="{FF2B5EF4-FFF2-40B4-BE49-F238E27FC236}">
+                <a16:creationId xmlns:a16="http://schemas.microsoft.com/office/drawing/2014/main" id="{DBD6E9F3-122A-5FF6-4B42-3810A58F0CFA}"/>
+              </a:ext>
+            </a:extLst>
+          </p:cNvPr>
+          <p:cNvPicPr>
+            <a:picLocks noChangeAspect="1"/>
+          </p:cNvPicPr>
+          <p:nvPr/>
+        </p:nvPicPr>
+        <p:blipFill>
+          <a:blip r:embed="rId2"/>
+          <a:stretch>
+            <a:fillRect/>
+          </a:stretch>
+        </p:blipFill>
+        <p:spPr>
+          <a:xfrm>
+            <a:off x="1485256" y="161469"/>
+            <a:ext cx="9221487" cy="6535062"/>
+          </a:xfrm>
+          <a:prstGeom prst="rect">
+            <a:avLst/>
+          </a:prstGeom>
+        </p:spPr>
+      </p:pic>
+    </p:spTree>
+    <p:extLst>
+      <p:ext uri="{BB962C8B-B14F-4D97-AF65-F5344CB8AC3E}">
+        <p14:creationId xmlns:p14="http://schemas.microsoft.com/office/powerpoint/2010/main" val="277378420"/>
+      </p:ext>
+    </p:extLst>
+  </p:cSld>
+  <p:clrMapOvr>
+    <a:masterClrMapping/>
+  </p:clrMapOvr>
+</p:sld>
+</file>
+
 <file path=ppt/slides/slide3.xml><?xml version="1.0" encoding="utf-8"?>
 <p:sld xmlns:a="http://schemas.openxmlformats.org/drawingml/2006/main" xmlns:r="http://schemas.openxmlformats.org/officeDocument/2006/relationships" xmlns:p="http://schemas.openxmlformats.org/presentationml/2006/main">
   <p:cSld>
@@ -4693,8 +5366,25 @@
               <a:buNone/>
             </a:pPr>
             <a:r>
+              <a:rPr lang="zh-TW" altLang="en-US" sz="2000" dirty="0"/>
+              <a:t>    </a:t>
+            </a:r>
+            <a:r>
               <a:rPr lang="en-US" altLang="zh-TW" sz="2000" dirty="0"/>
-              <a:t>Non6mA sites of the same number were used as negative samples. Each non-6mA site was at least 200 bp away from any neighboring 6mA site. For more detailed information on the data set construction, please refer to [28]. We further screened the sequences to weed out those sequences that contained sites with uncertain DNA bases. Finally, 19 616 positive samples and 10 653 positive samples were retained for A. thaliana and D. melanogaster, respectively. A statistical summary of the two datasets is provided in Table 1. For each organism, the samples were randomly divided with a ratio of 9:1 as the training and independent test datasets.</a:t>
+              <a:t>Non6mA sites of the same number were used as negative samples. Each non-6mA site was at least 200 bp away from any neighboring 6mA site. For more detailed information on the data set construction, please refer to [28]. </a:t>
+            </a:r>
+          </a:p>
+          <a:p>
+            <a:pPr marL="0" indent="0">
+              <a:buNone/>
+            </a:pPr>
+            <a:r>
+              <a:rPr lang="zh-TW" altLang="en-US" sz="2000" dirty="0"/>
+              <a:t>    </a:t>
+            </a:r>
+            <a:r>
+              <a:rPr lang="en-US" altLang="zh-TW" sz="2000" dirty="0"/>
+              <a:t>We further screened the sequences to weed out those sequences that contained sites with uncertain DNA bases. Finally, 19 616 positive samples and 10 653 positive samples were retained for A. thaliana and D. melanogaster, respectively. A statistical summary of the two datasets is provided in Table 1. For each organism, the samples were randomly divided with a ratio of 9:1 as the training and independent test datasets.</a:t>
             </a:r>
             <a:endParaRPr lang="zh-TW" altLang="en-US" sz="2000" dirty="0"/>
           </a:p>
@@ -4931,8 +5621,8 @@
           <a:chExt cx="0" cy="0"/>
         </a:xfrm>
       </p:grpSpPr>
-      <mc:AlternateContent xmlns:mc="http://schemas.openxmlformats.org/markup-compatibility/2006" xmlns:a14="http://schemas.microsoft.com/office/drawing/2010/main">
-        <mc:Choice Requires="a14">
+      <mc:AlternateContent xmlns:mc="http://schemas.openxmlformats.org/markup-compatibility/2006">
+        <mc:Choice xmlns:a14="http://schemas.microsoft.com/office/drawing/2010/main" Requires="a14">
           <p:sp>
             <p:nvSpPr>
               <p:cNvPr id="5" name="內容版面配置區 4">
@@ -4981,15 +5671,66 @@
                 </a:r>
                 <a:r>
                   <a:rPr lang="en-US" altLang="zh-TW" sz="2000" dirty="0"/>
-                  <a:t>In addition to the Bi-LSTM architecture, the attention mechanism is also employed to capture the position information of the DNA sequence. It was originally proposed to solve machine translation tasks [42] and has proven to be capable of identifying the key information [43]. In recent years it has been applied to bioinformatics to address the problems faced by RNNs [44] and has been shown to achieve a competitive performance in a wide range of biological sequence analysis problems [45–47]. Hence, it is adopted in this study to investigate the key information that affects DNA methylation site prediction. The attention layer is able to compute the weight coefficients matrix T ∈ </a:t>
+                  <a:t>In addition to the Bi-LSTM architecture, the attention mechanism is also employed to capture the position information of the DNA sequence. It was originally proposed to solve machine translation tasks [42] and has proven to be capable of identifying the key information [43]. In recent years it has been applied to bioinformatics to address the problems faced by RNNs [44] and has been shown to achieve a competitive performance in a wide range of biological sequence analysis problems [45–47]. Hence, it is adopted in this study to investigate the key information that affects DNA methylation site prediction. The attention layer is able to compute the weight coefficients matrix </a:t>
                 </a:r>
                 <a:r>
-                  <a:rPr lang="en-US" altLang="zh-TW" sz="2000" dirty="0" err="1"/>
-                  <a:t>RL×k</a:t>
+                  <a:rPr lang="zh-TW" altLang="en-US" sz="2000" dirty="0"/>
+                  <a:t>    </a:t>
                 </a:r>
                 <a:r>
                   <a:rPr lang="en-US" altLang="zh-TW" sz="2000" dirty="0"/>
-                  <a:t> using the following formula:</a:t>
+                  <a:t>T ∈ </a:t>
+                </a:r>
+                <a14:m>
+                  <m:oMath xmlns:m="http://schemas.openxmlformats.org/officeDocument/2006/math">
+                    <m:sSup>
+                      <m:sSupPr>
+                        <m:ctrlPr>
+                          <a:rPr lang="en-US" altLang="zh-TW" sz="2000" i="1" dirty="0" smtClean="0">
+                            <a:latin typeface="Cambria Math" panose="02040503050406030204" pitchFamily="18" charset="0"/>
+                          </a:rPr>
+                        </m:ctrlPr>
+                      </m:sSupPr>
+                      <m:e>
+                        <m:r>
+                          <a:rPr lang="en-US" altLang="zh-TW" sz="2000" b="0" i="1" dirty="0" smtClean="0">
+                            <a:latin typeface="Cambria Math" panose="02040503050406030204" pitchFamily="18" charset="0"/>
+                          </a:rPr>
+                          <m:t>𝑅</m:t>
+                        </m:r>
+                      </m:e>
+                      <m:sup>
+                        <m:r>
+                          <a:rPr lang="en-US" altLang="zh-TW" sz="2000" i="1" dirty="0" smtClean="0">
+                            <a:latin typeface="Cambria Math" panose="02040503050406030204" pitchFamily="18" charset="0"/>
+                          </a:rPr>
+                          <m:t>𝐿</m:t>
+                        </m:r>
+                        <m:r>
+                          <a:rPr lang="en-US" altLang="zh-TW" sz="2000" i="1" dirty="0" smtClean="0">
+                            <a:latin typeface="Cambria Math" panose="02040503050406030204" pitchFamily="18" charset="0"/>
+                          </a:rPr>
+                          <m:t>×</m:t>
+                        </m:r>
+                        <m:r>
+                          <a:rPr lang="en-US" altLang="zh-TW" sz="2000" i="1" dirty="0" smtClean="0">
+                            <a:latin typeface="Cambria Math" panose="02040503050406030204" pitchFamily="18" charset="0"/>
+                          </a:rPr>
+                          <m:t>𝑘</m:t>
+                        </m:r>
+                      </m:sup>
+                    </m:sSup>
+                    <m:r>
+                      <a:rPr lang="en-US" altLang="zh-TW" sz="2000" i="1" dirty="0" smtClean="0">
+                        <a:latin typeface="Cambria Math" panose="02040503050406030204" pitchFamily="18" charset="0"/>
+                      </a:rPr>
+                      <m:t> </m:t>
+                    </m:r>
+                  </m:oMath>
+                </a14:m>
+                <a:r>
+                  <a:rPr lang="en-US" altLang="zh-TW" sz="2000" dirty="0"/>
+                  <a:t>using the following formula:</a:t>
                 </a:r>
               </a:p>
               <a:p>
@@ -5156,7 +5897,7 @@
             </p:txBody>
           </p:sp>
         </mc:Choice>
-        <mc:Fallback xmlns="">
+        <mc:Fallback>
           <p:sp>
             <p:nvSpPr>
               <p:cNvPr id="5" name="內容版面配置區 4">
@@ -5214,6 +5955,65 @@
 </file>
 
 <file path=ppt/slides/slide7.xml><?xml version="1.0" encoding="utf-8"?>
+<p:sld xmlns:a="http://schemas.openxmlformats.org/drawingml/2006/main" xmlns:r="http://schemas.openxmlformats.org/officeDocument/2006/relationships" xmlns:p="http://schemas.openxmlformats.org/presentationml/2006/main">
+  <p:cSld>
+    <p:spTree>
+      <p:nvGrpSpPr>
+        <p:cNvPr id="1" name=""/>
+        <p:cNvGrpSpPr/>
+        <p:nvPr/>
+      </p:nvGrpSpPr>
+      <p:grpSpPr>
+        <a:xfrm>
+          <a:off x="0" y="0"/>
+          <a:ext cx="0" cy="0"/>
+          <a:chOff x="0" y="0"/>
+          <a:chExt cx="0" cy="0"/>
+        </a:xfrm>
+      </p:grpSpPr>
+      <p:pic>
+        <p:nvPicPr>
+          <p:cNvPr id="5" name="內容版面配置區 4">
+            <a:extLst>
+              <a:ext uri="{FF2B5EF4-FFF2-40B4-BE49-F238E27FC236}">
+                <a16:creationId xmlns:a16="http://schemas.microsoft.com/office/drawing/2014/main" id="{E41F39A6-3D25-3633-C72E-08C69DEC63EC}"/>
+              </a:ext>
+            </a:extLst>
+          </p:cNvPr>
+          <p:cNvPicPr>
+            <a:picLocks noGrp="1" noChangeAspect="1"/>
+          </p:cNvPicPr>
+          <p:nvPr>
+            <p:ph idx="1"/>
+          </p:nvPr>
+        </p:nvPicPr>
+        <p:blipFill>
+          <a:blip r:embed="rId2"/>
+          <a:stretch>
+            <a:fillRect/>
+          </a:stretch>
+        </p:blipFill>
+        <p:spPr>
+          <a:xfrm>
+            <a:off x="2556757" y="830383"/>
+            <a:ext cx="7078485" cy="5197234"/>
+          </a:xfrm>
+        </p:spPr>
+      </p:pic>
+    </p:spTree>
+    <p:extLst>
+      <p:ext uri="{BB962C8B-B14F-4D97-AF65-F5344CB8AC3E}">
+        <p14:creationId xmlns:p14="http://schemas.microsoft.com/office/powerpoint/2010/main" val="1661615953"/>
+      </p:ext>
+    </p:extLst>
+  </p:cSld>
+  <p:clrMapOvr>
+    <a:masterClrMapping/>
+  </p:clrMapOvr>
+</p:sld>
+</file>
+
+<file path=ppt/slides/slide8.xml><?xml version="1.0" encoding="utf-8"?>
 <p:sld xmlns:a="http://schemas.openxmlformats.org/drawingml/2006/main" xmlns:r="http://schemas.openxmlformats.org/officeDocument/2006/relationships" xmlns:p="http://schemas.openxmlformats.org/presentationml/2006/main">
   <p:cSld>
     <p:spTree>
@@ -5409,116 +6209,6 @@
 </p:sld>
 </file>
 
-<file path=ppt/slides/slide8.xml><?xml version="1.0" encoding="utf-8"?>
-<p:sld xmlns:a="http://schemas.openxmlformats.org/drawingml/2006/main" xmlns:r="http://schemas.openxmlformats.org/officeDocument/2006/relationships" xmlns:p="http://schemas.openxmlformats.org/presentationml/2006/main">
-  <p:cSld>
-    <p:spTree>
-      <p:nvGrpSpPr>
-        <p:cNvPr id="1" name=""/>
-        <p:cNvGrpSpPr/>
-        <p:nvPr/>
-      </p:nvGrpSpPr>
-      <p:grpSpPr>
-        <a:xfrm>
-          <a:off x="0" y="0"/>
-          <a:ext cx="0" cy="0"/>
-          <a:chOff x="0" y="0"/>
-          <a:chExt cx="0" cy="0"/>
-        </a:xfrm>
-      </p:grpSpPr>
-      <p:sp>
-        <p:nvSpPr>
-          <p:cNvPr id="5" name="內容版面配置區 4">
-            <a:extLst>
-              <a:ext uri="{FF2B5EF4-FFF2-40B4-BE49-F238E27FC236}">
-                <a16:creationId xmlns:a16="http://schemas.microsoft.com/office/drawing/2014/main" id="{BB2DC006-D6C4-415B-6480-10DBC0C4791F}"/>
-              </a:ext>
-            </a:extLst>
-          </p:cNvPr>
-          <p:cNvSpPr>
-            <a:spLocks noGrp="1"/>
-          </p:cNvSpPr>
-          <p:nvPr>
-            <p:ph idx="1"/>
-          </p:nvPr>
-        </p:nvSpPr>
-        <p:spPr>
-          <a:xfrm>
-            <a:off x="838200" y="624604"/>
-            <a:ext cx="10515600" cy="5608792"/>
-          </a:xfrm>
-        </p:spPr>
-        <p:txBody>
-          <a:bodyPr>
-            <a:normAutofit/>
-          </a:bodyPr>
-          <a:lstStyle/>
-          <a:p>
-            <a:r>
-              <a:rPr lang="en-US" altLang="zh-TW" dirty="0"/>
-              <a:t>Network architecture</a:t>
-            </a:r>
-            <a:r>
-              <a:rPr lang="zh-TW" altLang="en-US" sz="2000" dirty="0"/>
-              <a:t> </a:t>
-            </a:r>
-            <a:endParaRPr lang="en-US" altLang="zh-TW" sz="2000" dirty="0"/>
-          </a:p>
-          <a:p>
-            <a:pPr marL="0" indent="0">
-              <a:buNone/>
-            </a:pPr>
-            <a:r>
-              <a:rPr lang="zh-TW" altLang="en-US" sz="2000" dirty="0"/>
-              <a:t>   </a:t>
-            </a:r>
-            <a:endParaRPr lang="en-US" altLang="zh-TW" sz="2000" dirty="0"/>
-          </a:p>
-        </p:txBody>
-      </p:sp>
-      <p:pic>
-        <p:nvPicPr>
-          <p:cNvPr id="3" name="圖片 2">
-            <a:extLst>
-              <a:ext uri="{FF2B5EF4-FFF2-40B4-BE49-F238E27FC236}">
-                <a16:creationId xmlns:a16="http://schemas.microsoft.com/office/drawing/2014/main" id="{DA00D65B-9402-C150-637F-DF94984652DE}"/>
-              </a:ext>
-            </a:extLst>
-          </p:cNvPr>
-          <p:cNvPicPr>
-            <a:picLocks noChangeAspect="1"/>
-          </p:cNvPicPr>
-          <p:nvPr/>
-        </p:nvPicPr>
-        <p:blipFill>
-          <a:blip r:embed="rId2"/>
-          <a:stretch>
-            <a:fillRect/>
-          </a:stretch>
-        </p:blipFill>
-        <p:spPr>
-          <a:xfrm>
-            <a:off x="0" y="1489557"/>
-            <a:ext cx="12192000" cy="3878885"/>
-          </a:xfrm>
-          <a:prstGeom prst="rect">
-            <a:avLst/>
-          </a:prstGeom>
-        </p:spPr>
-      </p:pic>
-    </p:spTree>
-    <p:extLst>
-      <p:ext uri="{BB962C8B-B14F-4D97-AF65-F5344CB8AC3E}">
-        <p14:creationId xmlns:p14="http://schemas.microsoft.com/office/powerpoint/2010/main" val="3395217969"/>
-      </p:ext>
-    </p:extLst>
-  </p:cSld>
-  <p:clrMapOvr>
-    <a:masterClrMapping/>
-  </p:clrMapOvr>
-</p:sld>
-</file>
-
 <file path=ppt/slides/slide9.xml><?xml version="1.0" encoding="utf-8"?>
 <p:sld xmlns:a="http://schemas.openxmlformats.org/drawingml/2006/main" xmlns:r="http://schemas.openxmlformats.org/officeDocument/2006/relationships" xmlns:p="http://schemas.openxmlformats.org/presentationml/2006/main">
   <p:cSld>
@@ -5580,35 +6270,76 @@
             </a:pPr>
             <a:r>
               <a:rPr lang="zh-TW" altLang="en-US" sz="2000" dirty="0"/>
-              <a:t>    </a:t>
-            </a:r>
-            <a:r>
-              <a:rPr lang="en-US" altLang="zh-TW" sz="2000" dirty="0"/>
-              <a:t>The structure of AL6mA is a little different from that of LA6mA, as shown in Figure 1D. The input sequence of length L is encoded and then directly connected with the attention layer. After the attention layer is one bidirectional LSTM layer, the parameters of which are as follows: </a:t>
-            </a:r>
-            <a:r>
-              <a:rPr lang="en-US" altLang="zh-TW" sz="2000" dirty="0" err="1"/>
-              <a:t>num_units</a:t>
-            </a:r>
-            <a:r>
-              <a:rPr lang="en-US" altLang="zh-TW" sz="2000" dirty="0"/>
-              <a:t> set is at 128, whereas the </a:t>
-            </a:r>
-            <a:r>
-              <a:rPr lang="en-US" altLang="zh-TW" sz="2000" dirty="0" err="1"/>
-              <a:t>time_steps</a:t>
-            </a:r>
-            <a:r>
-              <a:rPr lang="en-US" altLang="zh-TW" sz="2000" dirty="0"/>
-              <a:t> is set at 41. Finally, the output of the last time step of Bi-LSTM is used as the final predict result.</a:t>
-            </a:r>
-          </a:p>
-        </p:txBody>
-      </p:sp>
+              <a:t>   </a:t>
+            </a:r>
+            <a:endParaRPr lang="en-US" altLang="zh-TW" sz="2000" dirty="0"/>
+          </a:p>
+        </p:txBody>
+      </p:sp>
+      <p:pic>
+        <p:nvPicPr>
+          <p:cNvPr id="3" name="圖片 2">
+            <a:extLst>
+              <a:ext uri="{FF2B5EF4-FFF2-40B4-BE49-F238E27FC236}">
+                <a16:creationId xmlns:a16="http://schemas.microsoft.com/office/drawing/2014/main" id="{DA00D65B-9402-C150-637F-DF94984652DE}"/>
+              </a:ext>
+            </a:extLst>
+          </p:cNvPr>
+          <p:cNvPicPr>
+            <a:picLocks noChangeAspect="1"/>
+          </p:cNvPicPr>
+          <p:nvPr/>
+        </p:nvPicPr>
+        <p:blipFill>
+          <a:blip r:embed="rId2"/>
+          <a:stretch>
+            <a:fillRect/>
+          </a:stretch>
+        </p:blipFill>
+        <p:spPr>
+          <a:xfrm>
+            <a:off x="88395" y="1489556"/>
+            <a:ext cx="7898608" cy="3878885"/>
+          </a:xfrm>
+          <a:prstGeom prst="rect">
+            <a:avLst/>
+          </a:prstGeom>
+        </p:spPr>
+      </p:pic>
+      <p:pic>
+        <p:nvPicPr>
+          <p:cNvPr id="7" name="圖片 6">
+            <a:extLst>
+              <a:ext uri="{FF2B5EF4-FFF2-40B4-BE49-F238E27FC236}">
+                <a16:creationId xmlns:a16="http://schemas.microsoft.com/office/drawing/2014/main" id="{1DD307AD-3E35-94A1-1B88-8A37450425B0}"/>
+              </a:ext>
+            </a:extLst>
+          </p:cNvPr>
+          <p:cNvPicPr>
+            <a:picLocks noChangeAspect="1"/>
+          </p:cNvPicPr>
+          <p:nvPr/>
+        </p:nvPicPr>
+        <p:blipFill>
+          <a:blip r:embed="rId3"/>
+          <a:stretch>
+            <a:fillRect/>
+          </a:stretch>
+        </p:blipFill>
+        <p:spPr>
+          <a:xfrm>
+            <a:off x="7987002" y="1566600"/>
+            <a:ext cx="4204997" cy="3724795"/>
+          </a:xfrm>
+          <a:prstGeom prst="rect">
+            <a:avLst/>
+          </a:prstGeom>
+        </p:spPr>
+      </p:pic>
     </p:spTree>
     <p:extLst>
       <p:ext uri="{BB962C8B-B14F-4D97-AF65-F5344CB8AC3E}">
-        <p14:creationId xmlns:p14="http://schemas.microsoft.com/office/powerpoint/2010/main" val="2251206692"/>
+        <p14:creationId xmlns:p14="http://schemas.microsoft.com/office/powerpoint/2010/main" val="3395217969"/>
       </p:ext>
     </p:extLst>
   </p:cSld>
